--- a/Cryptocurrency_Presentation.pptx
+++ b/Cryptocurrency_Presentation.pptx
@@ -8,11 +8,15 @@
     <p:sldId id="256" r:id="rId2"/>
     <p:sldId id="257" r:id="rId3"/>
     <p:sldId id="260" r:id="rId4"/>
-    <p:sldId id="259" r:id="rId5"/>
-    <p:sldId id="261" r:id="rId6"/>
-    <p:sldId id="262" r:id="rId7"/>
-    <p:sldId id="263" r:id="rId8"/>
-    <p:sldId id="264" r:id="rId9"/>
+    <p:sldId id="265" r:id="rId5"/>
+    <p:sldId id="266" r:id="rId6"/>
+    <p:sldId id="259" r:id="rId7"/>
+    <p:sldId id="267" r:id="rId8"/>
+    <p:sldId id="268" r:id="rId9"/>
+    <p:sldId id="261" r:id="rId10"/>
+    <p:sldId id="262" r:id="rId11"/>
+    <p:sldId id="263" r:id="rId12"/>
+    <p:sldId id="264" r:id="rId13"/>
   </p:sldIdLst>
   <p:sldSz cx="12192000" cy="6858000"/>
   <p:notesSz cx="6858000" cy="9144000"/>
@@ -111,6 +115,11 @@
       </a:defRPr>
     </a:lvl9pPr>
   </p:defaultTextStyle>
+  <p:extLst>
+    <p:ext uri="{EFAFB233-063F-42B5-8137-9DF3F51BA10A}">
+      <p15:sldGuideLst xmlns:p15="http://schemas.microsoft.com/office/powerpoint/2012/main"/>
+    </p:ext>
+  </p:extLst>
 </p:presentation>
 </file>
 
@@ -3397,6 +3406,526 @@
 </p:sld>
 </file>
 
+<file path=ppt/slides/slide10.xml><?xml version="1.0" encoding="utf-8"?>
+<p:sld xmlns:a="http://schemas.openxmlformats.org/drawingml/2006/main" xmlns:r="http://schemas.openxmlformats.org/officeDocument/2006/relationships" xmlns:p="http://schemas.openxmlformats.org/presentationml/2006/main">
+  <p:cSld>
+    <p:bg>
+      <p:bgPr>
+        <a:solidFill>
+          <a:schemeClr val="bg1"/>
+        </a:solidFill>
+        <a:effectLst/>
+      </p:bgPr>
+    </p:bg>
+    <p:spTree>
+      <p:nvGrpSpPr>
+        <p:cNvPr id="1" name=""/>
+        <p:cNvGrpSpPr/>
+        <p:nvPr/>
+      </p:nvGrpSpPr>
+      <p:grpSpPr>
+        <a:xfrm>
+          <a:off x="0" y="0"/>
+          <a:ext cx="0" cy="0"/>
+          <a:chOff x="0" y="0"/>
+          <a:chExt cx="0" cy="0"/>
+        </a:xfrm>
+      </p:grpSpPr>
+      <p:sp>
+        <p:nvSpPr>
+          <p:cNvPr id="14" name="Rectangle 13">
+            <a:extLst>
+              <a:ext uri="{FF2B5EF4-FFF2-40B4-BE49-F238E27FC236}">
+                <a16:creationId xmlns:a16="http://schemas.microsoft.com/office/drawing/2014/main" id="{823AC064-BC96-4F32-8AE1-B2FD38754823}"/>
+              </a:ext>
+              <a:ext uri="{C183D7F6-B498-43B3-948B-1728B52AA6E4}">
+                <adec:decorative xmlns:adec="http://schemas.microsoft.com/office/drawing/2017/decorative" val="1"/>
+              </a:ext>
+            </a:extLst>
+          </p:cNvPr>
+          <p:cNvSpPr>
+            <a:spLocks noGrp="1" noRot="1" noChangeAspect="1" noMove="1" noResize="1" noEditPoints="1" noAdjustHandles="1" noChangeArrowheads="1" noChangeShapeType="1" noTextEdit="1"/>
+          </p:cNvSpPr>
+          <p:nvPr>
+            <p:extLst>
+              <p:ext uri="{386F3935-93C4-4BCD-93E2-E3B085C9AB24}">
+                <p16:designElem xmlns:p16="http://schemas.microsoft.com/office/powerpoint/2015/main" val="1"/>
+              </p:ext>
+            </p:extLst>
+          </p:nvPr>
+        </p:nvSpPr>
+        <p:spPr bwMode="ltGray">
+          <a:xfrm>
+            <a:off x="396882" y="280374"/>
+            <a:ext cx="11438793" cy="1844256"/>
+          </a:xfrm>
+          <a:prstGeom prst="rect">
+            <a:avLst/>
+          </a:prstGeom>
+          <a:solidFill>
+            <a:srgbClr val="404040"/>
+          </a:solidFill>
+          <a:ln w="127000" cap="sq" cmpd="thinThick">
+            <a:solidFill>
+              <a:srgbClr val="404040"/>
+            </a:solidFill>
+          </a:ln>
+        </p:spPr>
+        <p:style>
+          <a:lnRef idx="2">
+            <a:schemeClr val="accent1">
+              <a:shade val="50000"/>
+            </a:schemeClr>
+          </a:lnRef>
+          <a:fillRef idx="1">
+            <a:schemeClr val="accent1"/>
+          </a:fillRef>
+          <a:effectRef idx="0">
+            <a:schemeClr val="accent1"/>
+          </a:effectRef>
+          <a:fontRef idx="minor">
+            <a:schemeClr val="lt1"/>
+          </a:fontRef>
+        </p:style>
+        <p:txBody>
+          <a:bodyPr rtlCol="0" anchor="ctr"/>
+          <a:lstStyle/>
+          <a:p>
+            <a:pPr algn="ctr"/>
+            <a:endParaRPr lang="en-US"/>
+          </a:p>
+        </p:txBody>
+      </p:sp>
+      <p:sp>
+        <p:nvSpPr>
+          <p:cNvPr id="2" name="Title 1">
+            <a:extLst>
+              <a:ext uri="{FF2B5EF4-FFF2-40B4-BE49-F238E27FC236}">
+                <a16:creationId xmlns:a16="http://schemas.microsoft.com/office/drawing/2014/main" id="{390AE977-CB8F-4045-AB57-4DF37CB694D1}"/>
+              </a:ext>
+            </a:extLst>
+          </p:cNvPr>
+          <p:cNvSpPr>
+            <a:spLocks noGrp="1"/>
+          </p:cNvSpPr>
+          <p:nvPr>
+            <p:ph type="title"/>
+          </p:nvPr>
+        </p:nvSpPr>
+        <p:spPr>
+          <a:xfrm>
+            <a:off x="546351" y="433545"/>
+            <a:ext cx="11139854" cy="930447"/>
+          </a:xfrm>
+        </p:spPr>
+        <p:txBody>
+          <a:bodyPr vert="horz" lIns="91440" tIns="45720" rIns="91440" bIns="45720" rtlCol="0" anchor="b">
+            <a:normAutofit/>
+          </a:bodyPr>
+          <a:lstStyle/>
+          <a:p>
+            <a:pPr algn="ctr"/>
+            <a:r>
+              <a:rPr lang="en-US" sz="5000">
+                <a:solidFill>
+                  <a:srgbClr val="FFFFFF"/>
+                </a:solidFill>
+              </a:rPr>
+              <a:t>Does the price of Bitcoin follow the USD?</a:t>
+            </a:r>
+          </a:p>
+        </p:txBody>
+      </p:sp>
+      <p:cxnSp>
+        <p:nvCxnSpPr>
+          <p:cNvPr id="16" name="Straight Connector 15">
+            <a:extLst>
+              <a:ext uri="{FF2B5EF4-FFF2-40B4-BE49-F238E27FC236}">
+                <a16:creationId xmlns:a16="http://schemas.microsoft.com/office/drawing/2014/main" id="{7E7C77BC-7138-40B1-A15B-20F57A494629}"/>
+              </a:ext>
+              <a:ext uri="{C183D7F6-B498-43B3-948B-1728B52AA6E4}">
+                <adec:decorative xmlns:adec="http://schemas.microsoft.com/office/drawing/2017/decorative" val="1"/>
+              </a:ext>
+            </a:extLst>
+          </p:cNvPr>
+          <p:cNvCxnSpPr>
+            <a:cxnSpLocks noGrp="1" noRot="1" noChangeAspect="1" noMove="1" noResize="1" noEditPoints="1" noAdjustHandles="1" noChangeArrowheads="1" noChangeShapeType="1"/>
+          </p:cNvCxnSpPr>
+          <p:nvPr>
+            <p:extLst>
+              <p:ext uri="{386F3935-93C4-4BCD-93E2-E3B085C9AB24}">
+                <p16:designElem xmlns:p16="http://schemas.microsoft.com/office/powerpoint/2015/main" val="1"/>
+              </p:ext>
+            </p:extLst>
+          </p:nvPr>
+        </p:nvCxnSpPr>
+        <p:spPr>
+          <a:xfrm>
+            <a:off x="2230078" y="1522292"/>
+            <a:ext cx="7772400" cy="0"/>
+          </a:xfrm>
+          <a:prstGeom prst="line">
+            <a:avLst/>
+          </a:prstGeom>
+          <a:ln w="22225">
+            <a:solidFill>
+              <a:srgbClr val="D9D9D9"/>
+            </a:solidFill>
+          </a:ln>
+        </p:spPr>
+        <p:style>
+          <a:lnRef idx="1">
+            <a:schemeClr val="accent1"/>
+          </a:lnRef>
+          <a:fillRef idx="0">
+            <a:schemeClr val="accent1"/>
+          </a:fillRef>
+          <a:effectRef idx="0">
+            <a:schemeClr val="accent1"/>
+          </a:effectRef>
+          <a:fontRef idx="minor">
+            <a:schemeClr val="tx1"/>
+          </a:fontRef>
+        </p:style>
+      </p:cxnSp>
+      <p:pic>
+        <p:nvPicPr>
+          <p:cNvPr id="9" name="Picture 8">
+            <a:extLst>
+              <a:ext uri="{FF2B5EF4-FFF2-40B4-BE49-F238E27FC236}">
+                <a16:creationId xmlns:a16="http://schemas.microsoft.com/office/drawing/2014/main" id="{29F10839-E94F-4ED9-A9C9-F9FB2E6488F0}"/>
+              </a:ext>
+            </a:extLst>
+          </p:cNvPr>
+          <p:cNvPicPr>
+            <a:picLocks noChangeAspect="1"/>
+          </p:cNvPicPr>
+          <p:nvPr/>
+        </p:nvPicPr>
+        <p:blipFill>
+          <a:blip r:embed="rId2"/>
+          <a:stretch>
+            <a:fillRect/>
+          </a:stretch>
+        </p:blipFill>
+        <p:spPr>
+          <a:xfrm>
+            <a:off x="331567" y="2722429"/>
+            <a:ext cx="5455917" cy="3406414"/>
+          </a:xfrm>
+          <a:prstGeom prst="rect">
+            <a:avLst/>
+          </a:prstGeom>
+        </p:spPr>
+      </p:pic>
+      <p:cxnSp>
+        <p:nvCxnSpPr>
+          <p:cNvPr id="18" name="Straight Connector 17">
+            <a:extLst>
+              <a:ext uri="{FF2B5EF4-FFF2-40B4-BE49-F238E27FC236}">
+                <a16:creationId xmlns:a16="http://schemas.microsoft.com/office/drawing/2014/main" id="{DB146403-F3D6-484B-B2ED-97F9565D0370}"/>
+              </a:ext>
+              <a:ext uri="{C183D7F6-B498-43B3-948B-1728B52AA6E4}">
+                <adec:decorative xmlns:adec="http://schemas.microsoft.com/office/drawing/2017/decorative" val="1"/>
+              </a:ext>
+            </a:extLst>
+          </p:cNvPr>
+          <p:cNvCxnSpPr>
+            <a:cxnSpLocks noGrp="1" noRot="1" noChangeAspect="1" noMove="1" noResize="1" noEditPoints="1" noAdjustHandles="1" noChangeArrowheads="1" noChangeShapeType="1"/>
+          </p:cNvCxnSpPr>
+          <p:nvPr>
+            <p:extLst>
+              <p:ext uri="{386F3935-93C4-4BCD-93E2-E3B085C9AB24}">
+                <p16:designElem xmlns:p16="http://schemas.microsoft.com/office/powerpoint/2015/main" val="1"/>
+              </p:ext>
+            </p:extLst>
+          </p:nvPr>
+        </p:nvCxnSpPr>
+        <p:spPr>
+          <a:xfrm>
+            <a:off x="6116278" y="2596836"/>
+            <a:ext cx="0" cy="3657600"/>
+          </a:xfrm>
+          <a:prstGeom prst="line">
+            <a:avLst/>
+          </a:prstGeom>
+          <a:ln w="101600" cmpd="dbl">
+            <a:solidFill>
+              <a:srgbClr val="595959"/>
+            </a:solidFill>
+          </a:ln>
+        </p:spPr>
+        <p:style>
+          <a:lnRef idx="1">
+            <a:schemeClr val="accent1"/>
+          </a:lnRef>
+          <a:fillRef idx="0">
+            <a:schemeClr val="accent1"/>
+          </a:fillRef>
+          <a:effectRef idx="0">
+            <a:schemeClr val="accent1"/>
+          </a:effectRef>
+          <a:fontRef idx="minor">
+            <a:schemeClr val="tx1"/>
+          </a:fontRef>
+        </p:style>
+      </p:cxnSp>
+      <p:pic>
+        <p:nvPicPr>
+          <p:cNvPr id="7" name="Picture 6">
+            <a:extLst>
+              <a:ext uri="{FF2B5EF4-FFF2-40B4-BE49-F238E27FC236}">
+                <a16:creationId xmlns:a16="http://schemas.microsoft.com/office/drawing/2014/main" id="{1AC14CC8-E222-446C-9813-1667F20DB25C}"/>
+              </a:ext>
+            </a:extLst>
+          </p:cNvPr>
+          <p:cNvPicPr>
+            <a:picLocks noChangeAspect="1"/>
+          </p:cNvPicPr>
+          <p:nvPr/>
+        </p:nvPicPr>
+        <p:blipFill>
+          <a:blip r:embed="rId3"/>
+          <a:stretch>
+            <a:fillRect/>
+          </a:stretch>
+        </p:blipFill>
+        <p:spPr>
+          <a:xfrm>
+            <a:off x="6445073" y="2741122"/>
+            <a:ext cx="5455917" cy="3369028"/>
+          </a:xfrm>
+          <a:prstGeom prst="rect">
+            <a:avLst/>
+          </a:prstGeom>
+        </p:spPr>
+      </p:pic>
+    </p:spTree>
+    <p:extLst>
+      <p:ext uri="{BB962C8B-B14F-4D97-AF65-F5344CB8AC3E}">
+        <p14:creationId xmlns:p14="http://schemas.microsoft.com/office/powerpoint/2010/main" val="3662346157"/>
+      </p:ext>
+    </p:extLst>
+  </p:cSld>
+  <p:clrMapOvr>
+    <a:masterClrMapping/>
+  </p:clrMapOvr>
+</p:sld>
+</file>
+
+<file path=ppt/slides/slide11.xml><?xml version="1.0" encoding="utf-8"?>
+<p:sld xmlns:a="http://schemas.openxmlformats.org/drawingml/2006/main" xmlns:r="http://schemas.openxmlformats.org/officeDocument/2006/relationships" xmlns:p="http://schemas.openxmlformats.org/presentationml/2006/main">
+  <p:cSld>
+    <p:spTree>
+      <p:nvGrpSpPr>
+        <p:cNvPr id="1" name=""/>
+        <p:cNvGrpSpPr/>
+        <p:nvPr/>
+      </p:nvGrpSpPr>
+      <p:grpSpPr>
+        <a:xfrm>
+          <a:off x="0" y="0"/>
+          <a:ext cx="0" cy="0"/>
+          <a:chOff x="0" y="0"/>
+          <a:chExt cx="0" cy="0"/>
+        </a:xfrm>
+      </p:grpSpPr>
+      <p:sp>
+        <p:nvSpPr>
+          <p:cNvPr id="2" name="Title 1">
+            <a:extLst>
+              <a:ext uri="{FF2B5EF4-FFF2-40B4-BE49-F238E27FC236}">
+                <a16:creationId xmlns:a16="http://schemas.microsoft.com/office/drawing/2014/main" id="{C2992924-0568-4C61-B411-C520C68C776D}"/>
+              </a:ext>
+            </a:extLst>
+          </p:cNvPr>
+          <p:cNvSpPr>
+            <a:spLocks noGrp="1"/>
+          </p:cNvSpPr>
+          <p:nvPr>
+            <p:ph type="title"/>
+          </p:nvPr>
+        </p:nvSpPr>
+        <p:spPr/>
+        <p:txBody>
+          <a:bodyPr>
+            <a:normAutofit/>
+          </a:bodyPr>
+          <a:lstStyle/>
+          <a:p>
+            <a:r>
+              <a:rPr lang="en-US" dirty="0">
+                <a:highlight>
+                  <a:srgbClr val="FFFF00"/>
+                </a:highlight>
+              </a:rPr>
+              <a:t>Does social media popularity contribute to pricing changes?</a:t>
+            </a:r>
+            <a:endParaRPr lang="en-US" dirty="0"/>
+          </a:p>
+        </p:txBody>
+      </p:sp>
+      <p:sp>
+        <p:nvSpPr>
+          <p:cNvPr id="3" name="Content Placeholder 2">
+            <a:extLst>
+              <a:ext uri="{FF2B5EF4-FFF2-40B4-BE49-F238E27FC236}">
+                <a16:creationId xmlns:a16="http://schemas.microsoft.com/office/drawing/2014/main" id="{EFEA17DC-6C93-4173-8A45-1B2B4DA73E66}"/>
+              </a:ext>
+            </a:extLst>
+          </p:cNvPr>
+          <p:cNvSpPr>
+            <a:spLocks noGrp="1"/>
+          </p:cNvSpPr>
+          <p:nvPr>
+            <p:ph idx="1"/>
+          </p:nvPr>
+        </p:nvSpPr>
+        <p:spPr/>
+        <p:txBody>
+          <a:bodyPr/>
+          <a:lstStyle/>
+          <a:p>
+            <a:r>
+              <a:rPr lang="en-US" dirty="0"/>
+              <a:t>Is there a relationship between media popularity that influences pricing changes?</a:t>
+            </a:r>
+          </a:p>
+        </p:txBody>
+      </p:sp>
+    </p:spTree>
+    <p:extLst>
+      <p:ext uri="{BB962C8B-B14F-4D97-AF65-F5344CB8AC3E}">
+        <p14:creationId xmlns:p14="http://schemas.microsoft.com/office/powerpoint/2010/main" val="2686159674"/>
+      </p:ext>
+    </p:extLst>
+  </p:cSld>
+  <p:clrMapOvr>
+    <a:masterClrMapping/>
+  </p:clrMapOvr>
+</p:sld>
+</file>
+
+<file path=ppt/slides/slide12.xml><?xml version="1.0" encoding="utf-8"?>
+<p:sld xmlns:a="http://schemas.openxmlformats.org/drawingml/2006/main" xmlns:r="http://schemas.openxmlformats.org/officeDocument/2006/relationships" xmlns:p="http://schemas.openxmlformats.org/presentationml/2006/main">
+  <p:cSld>
+    <p:spTree>
+      <p:nvGrpSpPr>
+        <p:cNvPr id="1" name=""/>
+        <p:cNvGrpSpPr/>
+        <p:nvPr/>
+      </p:nvGrpSpPr>
+      <p:grpSpPr>
+        <a:xfrm>
+          <a:off x="0" y="0"/>
+          <a:ext cx="0" cy="0"/>
+          <a:chOff x="0" y="0"/>
+          <a:chExt cx="0" cy="0"/>
+        </a:xfrm>
+      </p:grpSpPr>
+      <p:sp>
+        <p:nvSpPr>
+          <p:cNvPr id="2" name="Title 1">
+            <a:extLst>
+              <a:ext uri="{FF2B5EF4-FFF2-40B4-BE49-F238E27FC236}">
+                <a16:creationId xmlns:a16="http://schemas.microsoft.com/office/drawing/2014/main" id="{5B7541AC-F8D1-4950-93DD-6DB02DB3A8D5}"/>
+              </a:ext>
+            </a:extLst>
+          </p:cNvPr>
+          <p:cNvSpPr>
+            <a:spLocks noGrp="1"/>
+          </p:cNvSpPr>
+          <p:nvPr>
+            <p:ph type="title"/>
+          </p:nvPr>
+        </p:nvSpPr>
+        <p:spPr/>
+        <p:txBody>
+          <a:bodyPr>
+            <a:normAutofit/>
+          </a:bodyPr>
+          <a:lstStyle/>
+          <a:p>
+            <a:r>
+              <a:rPr lang="en-US" dirty="0"/>
+              <a:t>Do we think Cryptocurrency is a good investment?</a:t>
+            </a:r>
+          </a:p>
+        </p:txBody>
+      </p:sp>
+      <p:sp>
+        <p:nvSpPr>
+          <p:cNvPr id="3" name="Content Placeholder 2">
+            <a:extLst>
+              <a:ext uri="{FF2B5EF4-FFF2-40B4-BE49-F238E27FC236}">
+                <a16:creationId xmlns:a16="http://schemas.microsoft.com/office/drawing/2014/main" id="{E8EC7ED1-A084-47AD-AB05-B6C8C101BD29}"/>
+              </a:ext>
+            </a:extLst>
+          </p:cNvPr>
+          <p:cNvSpPr>
+            <a:spLocks noGrp="1"/>
+          </p:cNvSpPr>
+          <p:nvPr>
+            <p:ph idx="1"/>
+          </p:nvPr>
+        </p:nvSpPr>
+        <p:spPr/>
+        <p:txBody>
+          <a:bodyPr/>
+          <a:lstStyle/>
+          <a:p>
+            <a:r>
+              <a:rPr lang="en-US" dirty="0"/>
+              <a:t>What Cryptocurrency appears to be the best investment?</a:t>
+            </a:r>
+          </a:p>
+          <a:p>
+            <a:pPr lvl="1"/>
+            <a:r>
+              <a:rPr lang="en-US" dirty="0"/>
+              <a:t>Bitcoin (BTC) appears to be the most stable, however it is also the most expensive to begin investing</a:t>
+            </a:r>
+          </a:p>
+          <a:p>
+            <a:pPr lvl="2"/>
+            <a:r>
+              <a:rPr lang="en-US" dirty="0"/>
+              <a:t>Bitcoin may be reliant on the strength of the USD, if USD falls it might be a good time to sell your Bitcoin</a:t>
+            </a:r>
+          </a:p>
+          <a:p>
+            <a:pPr lvl="1"/>
+            <a:r>
+              <a:rPr lang="en-US" dirty="0" err="1"/>
+              <a:t>Binance</a:t>
+            </a:r>
+            <a:r>
+              <a:rPr lang="en-US" dirty="0"/>
+              <a:t> (BNB) has the most upward trajectory but also is one of the newest coins. It shows consistent stability and is an inexpensive investment if you are looking for something more entry level than Bitcoin</a:t>
+            </a:r>
+          </a:p>
+          <a:p>
+            <a:pPr lvl="1"/>
+            <a:r>
+              <a:rPr lang="en-US" dirty="0"/>
+              <a:t>Tether (USTD) is the most unstable </a:t>
+            </a:r>
+          </a:p>
+        </p:txBody>
+      </p:sp>
+    </p:spTree>
+    <p:extLst>
+      <p:ext uri="{BB962C8B-B14F-4D97-AF65-F5344CB8AC3E}">
+        <p14:creationId xmlns:p14="http://schemas.microsoft.com/office/powerpoint/2010/main" val="2424782966"/>
+      </p:ext>
+    </p:extLst>
+  </p:cSld>
+  <p:clrMapOvr>
+    <a:masterClrMapping/>
+  </p:clrMapOvr>
+</p:sld>
+</file>
+
 <file path=ppt/slides/slide2.xml><?xml version="1.0" encoding="utf-8"?>
 <p:sld xmlns:a="http://schemas.openxmlformats.org/drawingml/2006/main" xmlns:r="http://schemas.openxmlformats.org/officeDocument/2006/relationships" xmlns:p="http://schemas.openxmlformats.org/presentationml/2006/main">
   <p:cSld>
@@ -3678,7 +4207,7 @@
           <p:cNvPr id="2" name="Title 1">
             <a:extLst>
               <a:ext uri="{FF2B5EF4-FFF2-40B4-BE49-F238E27FC236}">
-                <a16:creationId xmlns:a16="http://schemas.microsoft.com/office/drawing/2014/main" id="{8AC23A1F-7181-4C85-B403-97401757F777}"/>
+                <a16:creationId xmlns:a16="http://schemas.microsoft.com/office/drawing/2014/main" id="{0040D7AD-6727-4192-A80A-D25BC3807294}"/>
               </a:ext>
             </a:extLst>
           </p:cNvPr>
@@ -3695,44 +4224,47 @@
           <a:lstStyle/>
           <a:p>
             <a:r>
-              <a:rPr lang="en-US" dirty="0"/>
-              <a:t>Cryptocurrency Stability</a:t>
-            </a:r>
-          </a:p>
-        </p:txBody>
-      </p:sp>
-      <p:sp>
-        <p:nvSpPr>
-          <p:cNvPr id="3" name="Content Placeholder 2">
-            <a:extLst>
-              <a:ext uri="{FF2B5EF4-FFF2-40B4-BE49-F238E27FC236}">
-                <a16:creationId xmlns:a16="http://schemas.microsoft.com/office/drawing/2014/main" id="{59053B83-C978-4A62-BF54-FC20D892710E}"/>
-              </a:ext>
-            </a:extLst>
-          </p:cNvPr>
-          <p:cNvSpPr>
-            <a:spLocks noGrp="1"/>
-          </p:cNvSpPr>
-          <p:nvPr>
-            <p:ph idx="1"/>
-          </p:nvPr>
-        </p:nvSpPr>
-        <p:spPr/>
-        <p:txBody>
-          <a:bodyPr/>
-          <a:lstStyle/>
-          <a:p>
-            <a:r>
-              <a:rPr lang="en-US" dirty="0"/>
-              <a:t>Is there a consistent trend between short term, YTD, and 5-year price stability for the 7 coins?</a:t>
-            </a:r>
-          </a:p>
-        </p:txBody>
-      </p:sp>
+              <a:rPr lang="en-US"/>
+              <a:t>Summary Statistics - Volume</a:t>
+            </a:r>
+            <a:endParaRPr lang="en-US" dirty="0"/>
+          </a:p>
+        </p:txBody>
+      </p:sp>
+      <p:pic>
+        <p:nvPicPr>
+          <p:cNvPr id="5" name="Picture 4">
+            <a:extLst>
+              <a:ext uri="{FF2B5EF4-FFF2-40B4-BE49-F238E27FC236}">
+                <a16:creationId xmlns:a16="http://schemas.microsoft.com/office/drawing/2014/main" id="{6FB2163F-F7B0-431B-9E2F-5E27D39A01FC}"/>
+              </a:ext>
+            </a:extLst>
+          </p:cNvPr>
+          <p:cNvPicPr>
+            <a:picLocks noChangeAspect="1"/>
+          </p:cNvPicPr>
+          <p:nvPr/>
+        </p:nvPicPr>
+        <p:blipFill>
+          <a:blip r:embed="rId2"/>
+          <a:stretch>
+            <a:fillRect/>
+          </a:stretch>
+        </p:blipFill>
+        <p:spPr>
+          <a:xfrm>
+            <a:off x="453498" y="2036133"/>
+            <a:ext cx="11015082" cy="3358827"/>
+          </a:xfrm>
+          <a:prstGeom prst="rect">
+            <a:avLst/>
+          </a:prstGeom>
+        </p:spPr>
+      </p:pic>
     </p:spTree>
     <p:extLst>
       <p:ext uri="{BB962C8B-B14F-4D97-AF65-F5344CB8AC3E}">
-        <p14:creationId xmlns:p14="http://schemas.microsoft.com/office/powerpoint/2010/main" val="3090588332"/>
+        <p14:creationId xmlns:p14="http://schemas.microsoft.com/office/powerpoint/2010/main" val="628925336"/>
       </p:ext>
     </p:extLst>
   </p:cSld>
@@ -3764,7 +4296,7 @@
           <p:cNvPr id="2" name="Title 1">
             <a:extLst>
               <a:ext uri="{FF2B5EF4-FFF2-40B4-BE49-F238E27FC236}">
-                <a16:creationId xmlns:a16="http://schemas.microsoft.com/office/drawing/2014/main" id="{CC954B5D-2039-436A-A53E-4B04A8B28DDC}"/>
+                <a16:creationId xmlns:a16="http://schemas.microsoft.com/office/drawing/2014/main" id="{41EF7988-A581-4A8D-9AB4-C7C54D2D9F4A}"/>
               </a:ext>
             </a:extLst>
           </p:cNvPr>
@@ -3782,43 +4314,45 @@
           <a:p>
             <a:r>
               <a:rPr lang="en-US" dirty="0"/>
-              <a:t>What is the most traded Cryptocurrency?</a:t>
-            </a:r>
-          </a:p>
-        </p:txBody>
-      </p:sp>
-      <p:sp>
-        <p:nvSpPr>
-          <p:cNvPr id="3" name="Content Placeholder 2">
-            <a:extLst>
-              <a:ext uri="{FF2B5EF4-FFF2-40B4-BE49-F238E27FC236}">
-                <a16:creationId xmlns:a16="http://schemas.microsoft.com/office/drawing/2014/main" id="{EED5D7C1-F7BC-4763-AC77-1C6A4A60983C}"/>
-              </a:ext>
-            </a:extLst>
-          </p:cNvPr>
-          <p:cNvSpPr>
-            <a:spLocks noGrp="1"/>
-          </p:cNvSpPr>
-          <p:nvPr>
-            <p:ph idx="1"/>
-          </p:nvPr>
-        </p:nvSpPr>
-        <p:spPr/>
-        <p:txBody>
-          <a:bodyPr/>
-          <a:lstStyle/>
-          <a:p>
-            <a:r>
-              <a:rPr lang="en-US" dirty="0"/>
-              <a:t>What Cryptocurrency is the most traded over a 5 year period?</a:t>
-            </a:r>
-          </a:p>
-        </p:txBody>
-      </p:sp>
+              <a:t>Summary Statistics – Closing Price</a:t>
+            </a:r>
+          </a:p>
+        </p:txBody>
+      </p:sp>
+      <p:pic>
+        <p:nvPicPr>
+          <p:cNvPr id="9" name="Picture 8">
+            <a:extLst>
+              <a:ext uri="{FF2B5EF4-FFF2-40B4-BE49-F238E27FC236}">
+                <a16:creationId xmlns:a16="http://schemas.microsoft.com/office/drawing/2014/main" id="{6DCF1BE8-5FD1-4250-BA9C-55B442E9E50F}"/>
+              </a:ext>
+            </a:extLst>
+          </p:cNvPr>
+          <p:cNvPicPr>
+            <a:picLocks noChangeAspect="1"/>
+          </p:cNvPicPr>
+          <p:nvPr/>
+        </p:nvPicPr>
+        <p:blipFill>
+          <a:blip r:embed="rId2"/>
+          <a:stretch>
+            <a:fillRect/>
+          </a:stretch>
+        </p:blipFill>
+        <p:spPr>
+          <a:xfrm>
+            <a:off x="838200" y="1690688"/>
+            <a:ext cx="10283541" cy="3809780"/>
+          </a:xfrm>
+          <a:prstGeom prst="rect">
+            <a:avLst/>
+          </a:prstGeom>
+        </p:spPr>
+      </p:pic>
     </p:spTree>
     <p:extLst>
       <p:ext uri="{BB962C8B-B14F-4D97-AF65-F5344CB8AC3E}">
-        <p14:creationId xmlns:p14="http://schemas.microsoft.com/office/powerpoint/2010/main" val="3474242650"/>
+        <p14:creationId xmlns:p14="http://schemas.microsoft.com/office/powerpoint/2010/main" val="907338614"/>
       </p:ext>
     </p:extLst>
   </p:cSld>
@@ -3829,6 +4363,931 @@
 </file>
 
 <file path=ppt/slides/slide6.xml><?xml version="1.0" encoding="utf-8"?>
+<p:sld xmlns:a="http://schemas.openxmlformats.org/drawingml/2006/main" xmlns:r="http://schemas.openxmlformats.org/officeDocument/2006/relationships" xmlns:p="http://schemas.openxmlformats.org/presentationml/2006/main">
+  <p:cSld>
+    <p:bg>
+      <p:bgPr>
+        <a:solidFill>
+          <a:schemeClr val="bg1"/>
+        </a:solidFill>
+        <a:effectLst/>
+      </p:bgPr>
+    </p:bg>
+    <p:spTree>
+      <p:nvGrpSpPr>
+        <p:cNvPr id="1" name=""/>
+        <p:cNvGrpSpPr/>
+        <p:nvPr/>
+      </p:nvGrpSpPr>
+      <p:grpSpPr>
+        <a:xfrm>
+          <a:off x="0" y="0"/>
+          <a:ext cx="0" cy="0"/>
+          <a:chOff x="0" y="0"/>
+          <a:chExt cx="0" cy="0"/>
+        </a:xfrm>
+      </p:grpSpPr>
+      <p:sp useBgFill="1">
+        <p:nvSpPr>
+          <p:cNvPr id="32" name="Rectangle 26">
+            <a:extLst>
+              <a:ext uri="{FF2B5EF4-FFF2-40B4-BE49-F238E27FC236}">
+                <a16:creationId xmlns:a16="http://schemas.microsoft.com/office/drawing/2014/main" id="{E3BF711F-F9A0-4EA4-B156-A79E9F362447}"/>
+              </a:ext>
+              <a:ext uri="{C183D7F6-B498-43B3-948B-1728B52AA6E4}">
+                <adec:decorative xmlns:adec="http://schemas.microsoft.com/office/drawing/2017/decorative" val="1"/>
+              </a:ext>
+            </a:extLst>
+          </p:cNvPr>
+          <p:cNvSpPr>
+            <a:spLocks noGrp="1" noRot="1" noChangeAspect="1" noMove="1" noResize="1" noEditPoints="1" noAdjustHandles="1" noChangeArrowheads="1" noChangeShapeType="1" noTextEdit="1"/>
+          </p:cNvSpPr>
+          <p:nvPr>
+            <p:extLst>
+              <p:ext uri="{386F3935-93C4-4BCD-93E2-E3B085C9AB24}">
+                <p16:designElem xmlns:p16="http://schemas.microsoft.com/office/powerpoint/2015/main" val="1"/>
+              </p:ext>
+            </p:extLst>
+          </p:nvPr>
+        </p:nvSpPr>
+        <p:spPr>
+          <a:xfrm>
+            <a:off x="0" y="0"/>
+            <a:ext cx="12191999" cy="6857365"/>
+          </a:xfrm>
+          <a:prstGeom prst="rect">
+            <a:avLst/>
+          </a:prstGeom>
+          <a:ln>
+            <a:noFill/>
+          </a:ln>
+        </p:spPr>
+        <p:style>
+          <a:lnRef idx="2">
+            <a:schemeClr val="accent1">
+              <a:shade val="50000"/>
+            </a:schemeClr>
+          </a:lnRef>
+          <a:fillRef idx="1">
+            <a:schemeClr val="accent1"/>
+          </a:fillRef>
+          <a:effectRef idx="0">
+            <a:schemeClr val="accent1"/>
+          </a:effectRef>
+          <a:fontRef idx="minor">
+            <a:schemeClr val="lt1"/>
+          </a:fontRef>
+        </p:style>
+        <p:txBody>
+          <a:bodyPr rtlCol="0" anchor="ctr"/>
+          <a:lstStyle/>
+          <a:p>
+            <a:pPr algn="ctr"/>
+            <a:endParaRPr lang="en-US"/>
+          </a:p>
+        </p:txBody>
+      </p:sp>
+      <p:grpSp>
+        <p:nvGrpSpPr>
+          <p:cNvPr id="34" name="Group 28">
+            <a:extLst>
+              <a:ext uri="{FF2B5EF4-FFF2-40B4-BE49-F238E27FC236}">
+                <a16:creationId xmlns:a16="http://schemas.microsoft.com/office/drawing/2014/main" id="{B83D307E-DF68-43F8-97CE-0AAE950A7129}"/>
+              </a:ext>
+              <a:ext uri="{C183D7F6-B498-43B3-948B-1728B52AA6E4}">
+                <adec:decorative xmlns:adec="http://schemas.microsoft.com/office/drawing/2017/decorative" val="1"/>
+              </a:ext>
+            </a:extLst>
+          </p:cNvPr>
+          <p:cNvGrpSpPr>
+            <a:grpSpLocks noGrp="1" noUngrp="1" noRot="1" noChangeAspect="1" noMove="1" noResize="1"/>
+          </p:cNvGrpSpPr>
+          <p:nvPr>
+            <p:extLst>
+              <p:ext uri="{386F3935-93C4-4BCD-93E2-E3B085C9AB24}">
+                <p16:designElem xmlns:p16="http://schemas.microsoft.com/office/powerpoint/2015/main" val="1"/>
+              </p:ext>
+            </p:extLst>
+          </p:nvPr>
+        </p:nvGrpSpPr>
+        <p:grpSpPr>
+          <a:xfrm>
+            <a:off x="2271255" y="-1"/>
+            <a:ext cx="7649490" cy="5728133"/>
+            <a:chOff x="329184" y="1"/>
+            <a:chExt cx="524256" cy="5728133"/>
+          </a:xfrm>
+        </p:grpSpPr>
+        <p:cxnSp>
+          <p:nvCxnSpPr>
+            <p:cNvPr id="30" name="Straight Connector 29">
+              <a:extLst>
+                <a:ext uri="{FF2B5EF4-FFF2-40B4-BE49-F238E27FC236}">
+                  <a16:creationId xmlns:a16="http://schemas.microsoft.com/office/drawing/2014/main" id="{5546E3D2-37BF-4528-9851-2B2F628234A2}"/>
+                </a:ext>
+                <a:ext uri="{C183D7F6-B498-43B3-948B-1728B52AA6E4}">
+                  <adec:decorative xmlns:adec="http://schemas.microsoft.com/office/drawing/2017/decorative" val="1"/>
+                </a:ext>
+              </a:extLst>
+            </p:cNvPr>
+            <p:cNvCxnSpPr>
+              <a:cxnSpLocks/>
+            </p:cNvCxnSpPr>
+            <p:nvPr>
+              <p:extLst>
+                <p:ext uri="{386F3935-93C4-4BCD-93E2-E3B085C9AB24}">
+                  <p16:designElem xmlns:p16="http://schemas.microsoft.com/office/powerpoint/2015/main" val="1"/>
+                </p:ext>
+              </p:extLst>
+            </p:nvPr>
+          </p:nvCxnSpPr>
+          <p:spPr>
+            <a:xfrm flipH="1">
+              <a:off x="329184" y="5728134"/>
+              <a:ext cx="523824" cy="0"/>
+            </a:xfrm>
+            <a:prstGeom prst="line">
+              <a:avLst/>
+            </a:prstGeom>
+            <a:ln w="152400">
+              <a:solidFill>
+                <a:schemeClr val="accent4"/>
+              </a:solidFill>
+            </a:ln>
+          </p:spPr>
+          <p:style>
+            <a:lnRef idx="1">
+              <a:schemeClr val="accent1"/>
+            </a:lnRef>
+            <a:fillRef idx="0">
+              <a:schemeClr val="accent1"/>
+            </a:fillRef>
+            <a:effectRef idx="0">
+              <a:schemeClr val="accent1"/>
+            </a:effectRef>
+            <a:fontRef idx="minor">
+              <a:schemeClr val="tx1"/>
+            </a:fontRef>
+          </p:style>
+        </p:cxnSp>
+        <p:sp>
+          <p:nvSpPr>
+            <p:cNvPr id="31" name="Rectangle 30">
+              <a:extLst>
+                <a:ext uri="{FF2B5EF4-FFF2-40B4-BE49-F238E27FC236}">
+                  <a16:creationId xmlns:a16="http://schemas.microsoft.com/office/drawing/2014/main" id="{752A0C69-DC4E-4FC0-843C-BAA27B3A5621}"/>
+                </a:ext>
+                <a:ext uri="{C183D7F6-B498-43B3-948B-1728B52AA6E4}">
+                  <adec:decorative xmlns:adec="http://schemas.microsoft.com/office/drawing/2017/decorative" val="1"/>
+                </a:ext>
+              </a:extLst>
+            </p:cNvPr>
+            <p:cNvSpPr/>
+            <p:nvPr>
+              <p:extLst>
+                <p:ext uri="{386F3935-93C4-4BCD-93E2-E3B085C9AB24}">
+                  <p16:designElem xmlns:p16="http://schemas.microsoft.com/office/powerpoint/2015/main" val="1"/>
+                </p:ext>
+              </p:extLst>
+            </p:nvPr>
+          </p:nvSpPr>
+          <p:spPr>
+            <a:xfrm>
+              <a:off x="329184" y="1"/>
+              <a:ext cx="524256" cy="5532119"/>
+            </a:xfrm>
+            <a:prstGeom prst="rect">
+              <a:avLst/>
+            </a:prstGeom>
+            <a:solidFill>
+              <a:schemeClr val="accent4"/>
+            </a:solidFill>
+            <a:ln>
+              <a:noFill/>
+            </a:ln>
+          </p:spPr>
+          <p:style>
+            <a:lnRef idx="2">
+              <a:schemeClr val="accent1">
+                <a:shade val="50000"/>
+              </a:schemeClr>
+            </a:lnRef>
+            <a:fillRef idx="1">
+              <a:schemeClr val="accent1"/>
+            </a:fillRef>
+            <a:effectRef idx="0">
+              <a:schemeClr val="accent1"/>
+            </a:effectRef>
+            <a:fontRef idx="minor">
+              <a:schemeClr val="lt1"/>
+            </a:fontRef>
+          </p:style>
+          <p:txBody>
+            <a:bodyPr rtlCol="0" anchor="ctr"/>
+            <a:lstStyle/>
+            <a:p>
+              <a:pPr algn="ctr"/>
+              <a:endParaRPr lang="en-US" dirty="0"/>
+            </a:p>
+          </p:txBody>
+        </p:sp>
+      </p:grpSp>
+      <p:sp>
+        <p:nvSpPr>
+          <p:cNvPr id="33" name="Rectangle 32">
+            <a:extLst>
+              <a:ext uri="{FF2B5EF4-FFF2-40B4-BE49-F238E27FC236}">
+                <a16:creationId xmlns:a16="http://schemas.microsoft.com/office/drawing/2014/main" id="{8ED94938-268E-4C0A-A08A-B3980C78BAEB}"/>
+              </a:ext>
+              <a:ext uri="{C183D7F6-B498-43B3-948B-1728B52AA6E4}">
+                <adec:decorative xmlns:adec="http://schemas.microsoft.com/office/drawing/2017/decorative" val="1"/>
+              </a:ext>
+            </a:extLst>
+          </p:cNvPr>
+          <p:cNvSpPr>
+            <a:spLocks noGrp="1" noRot="1" noChangeAspect="1" noMove="1" noResize="1" noEditPoints="1" noAdjustHandles="1" noChangeArrowheads="1" noChangeShapeType="1" noTextEdit="1"/>
+          </p:cNvSpPr>
+          <p:nvPr>
+            <p:extLst>
+              <p:ext uri="{386F3935-93C4-4BCD-93E2-E3B085C9AB24}">
+                <p16:designElem xmlns:p16="http://schemas.microsoft.com/office/powerpoint/2015/main" val="1"/>
+              </p:ext>
+            </p:extLst>
+          </p:nvPr>
+        </p:nvSpPr>
+        <p:spPr>
+          <a:xfrm>
+            <a:off x="596464" y="318045"/>
+            <a:ext cx="10999072" cy="5325139"/>
+          </a:xfrm>
+          <a:prstGeom prst="rect">
+            <a:avLst/>
+          </a:prstGeom>
+          <a:solidFill>
+            <a:schemeClr val="bg1"/>
+          </a:solidFill>
+          <a:ln>
+            <a:noFill/>
+          </a:ln>
+          <a:effectLst>
+            <a:outerShdw blurRad="139700" dist="127000" dir="5400000" algn="t" rotWithShape="0">
+              <a:prstClr val="black">
+                <a:alpha val="15000"/>
+              </a:prstClr>
+            </a:outerShdw>
+          </a:effectLst>
+        </p:spPr>
+        <p:style>
+          <a:lnRef idx="2">
+            <a:schemeClr val="accent1">
+              <a:shade val="50000"/>
+            </a:schemeClr>
+          </a:lnRef>
+          <a:fillRef idx="1">
+            <a:schemeClr val="accent1"/>
+          </a:fillRef>
+          <a:effectRef idx="0">
+            <a:schemeClr val="accent1"/>
+          </a:effectRef>
+          <a:fontRef idx="minor">
+            <a:schemeClr val="lt1"/>
+          </a:fontRef>
+        </p:style>
+        <p:txBody>
+          <a:bodyPr rtlCol="0" anchor="ctr"/>
+          <a:lstStyle/>
+          <a:p>
+            <a:pPr algn="ctr"/>
+            <a:endParaRPr lang="en-US"/>
+          </a:p>
+        </p:txBody>
+      </p:sp>
+      <p:sp>
+        <p:nvSpPr>
+          <p:cNvPr id="2" name="Title 1">
+            <a:extLst>
+              <a:ext uri="{FF2B5EF4-FFF2-40B4-BE49-F238E27FC236}">
+                <a16:creationId xmlns:a16="http://schemas.microsoft.com/office/drawing/2014/main" id="{8AC23A1F-7181-4C85-B403-97401757F777}"/>
+              </a:ext>
+            </a:extLst>
+          </p:cNvPr>
+          <p:cNvSpPr>
+            <a:spLocks noGrp="1"/>
+          </p:cNvSpPr>
+          <p:nvPr>
+            <p:ph type="title"/>
+          </p:nvPr>
+        </p:nvSpPr>
+        <p:spPr>
+          <a:xfrm>
+            <a:off x="1060232" y="3801738"/>
+            <a:ext cx="10071536" cy="929750"/>
+          </a:xfrm>
+        </p:spPr>
+        <p:txBody>
+          <a:bodyPr vert="horz" lIns="91440" tIns="45720" rIns="91440" bIns="45720" rtlCol="0" anchor="b">
+            <a:normAutofit/>
+          </a:bodyPr>
+          <a:lstStyle/>
+          <a:p>
+            <a:pPr algn="ctr"/>
+            <a:r>
+              <a:rPr lang="en-US" sz="4000" kern="1200">
+                <a:solidFill>
+                  <a:schemeClr val="tx1"/>
+                </a:solidFill>
+                <a:latin typeface="+mj-lt"/>
+                <a:ea typeface="+mj-ea"/>
+                <a:cs typeface="+mj-cs"/>
+              </a:rPr>
+              <a:t>Cryptocurrency Pricing Stability – Short Term</a:t>
+            </a:r>
+          </a:p>
+        </p:txBody>
+      </p:sp>
+      <p:pic>
+        <p:nvPicPr>
+          <p:cNvPr id="5" name="Picture 4">
+            <a:extLst>
+              <a:ext uri="{FF2B5EF4-FFF2-40B4-BE49-F238E27FC236}">
+                <a16:creationId xmlns:a16="http://schemas.microsoft.com/office/drawing/2014/main" id="{2C619FFE-0E4E-420A-9A3C-1F340534F112}"/>
+              </a:ext>
+            </a:extLst>
+          </p:cNvPr>
+          <p:cNvPicPr>
+            <a:picLocks noChangeAspect="1"/>
+          </p:cNvPicPr>
+          <p:nvPr/>
+        </p:nvPicPr>
+        <p:blipFill rotWithShape="1">
+          <a:blip r:embed="rId2"/>
+          <a:srcRect r="11061" b="-2"/>
+          <a:stretch/>
+        </p:blipFill>
+        <p:spPr>
+          <a:xfrm>
+            <a:off x="904492" y="772621"/>
+            <a:ext cx="3292790" cy="2663137"/>
+          </a:xfrm>
+          <a:prstGeom prst="rect">
+            <a:avLst/>
+          </a:prstGeom>
+        </p:spPr>
+      </p:pic>
+      <p:pic>
+        <p:nvPicPr>
+          <p:cNvPr id="7" name="Picture 6">
+            <a:extLst>
+              <a:ext uri="{FF2B5EF4-FFF2-40B4-BE49-F238E27FC236}">
+                <a16:creationId xmlns:a16="http://schemas.microsoft.com/office/drawing/2014/main" id="{D1541BE5-46B4-4853-890A-36F3041C9CF8}"/>
+              </a:ext>
+            </a:extLst>
+          </p:cNvPr>
+          <p:cNvPicPr>
+            <a:picLocks noChangeAspect="1"/>
+          </p:cNvPicPr>
+          <p:nvPr/>
+        </p:nvPicPr>
+        <p:blipFill rotWithShape="1">
+          <a:blip r:embed="rId3"/>
+          <a:srcRect l="5093" r="9718"/>
+          <a:stretch/>
+        </p:blipFill>
+        <p:spPr>
+          <a:xfrm>
+            <a:off x="4457293" y="772621"/>
+            <a:ext cx="3292790" cy="2663137"/>
+          </a:xfrm>
+          <a:prstGeom prst="rect">
+            <a:avLst/>
+          </a:prstGeom>
+        </p:spPr>
+      </p:pic>
+      <p:pic>
+        <p:nvPicPr>
+          <p:cNvPr id="9" name="Picture 8">
+            <a:extLst>
+              <a:ext uri="{FF2B5EF4-FFF2-40B4-BE49-F238E27FC236}">
+                <a16:creationId xmlns:a16="http://schemas.microsoft.com/office/drawing/2014/main" id="{45E04CDC-36DD-469D-825B-4C28D387B3CC}"/>
+              </a:ext>
+            </a:extLst>
+          </p:cNvPr>
+          <p:cNvPicPr>
+            <a:picLocks noChangeAspect="1"/>
+          </p:cNvPicPr>
+          <p:nvPr/>
+        </p:nvPicPr>
+        <p:blipFill rotWithShape="1">
+          <a:blip r:embed="rId4"/>
+          <a:srcRect l="1126" r="11828" b="-4"/>
+          <a:stretch/>
+        </p:blipFill>
+        <p:spPr>
+          <a:xfrm>
+            <a:off x="8015984" y="772621"/>
+            <a:ext cx="3292790" cy="2663137"/>
+          </a:xfrm>
+          <a:prstGeom prst="rect">
+            <a:avLst/>
+          </a:prstGeom>
+        </p:spPr>
+      </p:pic>
+    </p:spTree>
+    <p:extLst>
+      <p:ext uri="{BB962C8B-B14F-4D97-AF65-F5344CB8AC3E}">
+        <p14:creationId xmlns:p14="http://schemas.microsoft.com/office/powerpoint/2010/main" val="3090588332"/>
+      </p:ext>
+    </p:extLst>
+  </p:cSld>
+  <p:clrMapOvr>
+    <a:masterClrMapping/>
+  </p:clrMapOvr>
+</p:sld>
+</file>
+
+<file path=ppt/slides/slide7.xml><?xml version="1.0" encoding="utf-8"?>
+<p:sld xmlns:a="http://schemas.openxmlformats.org/drawingml/2006/main" xmlns:r="http://schemas.openxmlformats.org/officeDocument/2006/relationships" xmlns:p="http://schemas.openxmlformats.org/presentationml/2006/main">
+  <p:cSld>
+    <p:bg>
+      <p:bgPr>
+        <a:solidFill>
+          <a:schemeClr val="bg1"/>
+        </a:solidFill>
+        <a:effectLst/>
+      </p:bgPr>
+    </p:bg>
+    <p:spTree>
+      <p:nvGrpSpPr>
+        <p:cNvPr id="1" name=""/>
+        <p:cNvGrpSpPr/>
+        <p:nvPr/>
+      </p:nvGrpSpPr>
+      <p:grpSpPr>
+        <a:xfrm>
+          <a:off x="0" y="0"/>
+          <a:ext cx="0" cy="0"/>
+          <a:chOff x="0" y="0"/>
+          <a:chExt cx="0" cy="0"/>
+        </a:xfrm>
+      </p:grpSpPr>
+      <p:sp>
+        <p:nvSpPr>
+          <p:cNvPr id="12" name="Rectangle 11">
+            <a:extLst>
+              <a:ext uri="{FF2B5EF4-FFF2-40B4-BE49-F238E27FC236}">
+                <a16:creationId xmlns:a16="http://schemas.microsoft.com/office/drawing/2014/main" id="{CDA1A2E9-63FE-408D-A803-8E306ECAB4B3}"/>
+              </a:ext>
+              <a:ext uri="{C183D7F6-B498-43B3-948B-1728B52AA6E4}">
+                <adec:decorative xmlns:adec="http://schemas.microsoft.com/office/drawing/2017/decorative" val="1"/>
+              </a:ext>
+            </a:extLst>
+          </p:cNvPr>
+          <p:cNvSpPr>
+            <a:spLocks noGrp="1" noRot="1" noChangeAspect="1" noMove="1" noResize="1" noEditPoints="1" noAdjustHandles="1" noChangeArrowheads="1" noChangeShapeType="1" noTextEdit="1"/>
+          </p:cNvSpPr>
+          <p:nvPr>
+            <p:extLst>
+              <p:ext uri="{386F3935-93C4-4BCD-93E2-E3B085C9AB24}">
+                <p16:designElem xmlns:p16="http://schemas.microsoft.com/office/powerpoint/2015/main" val="1"/>
+              </p:ext>
+            </p:extLst>
+          </p:nvPr>
+        </p:nvSpPr>
+        <p:spPr>
+          <a:xfrm>
+            <a:off x="7827522" y="450222"/>
+            <a:ext cx="3902420" cy="4235636"/>
+          </a:xfrm>
+          <a:prstGeom prst="rect">
+            <a:avLst/>
+          </a:prstGeom>
+          <a:solidFill>
+            <a:srgbClr val="595959"/>
+          </a:solidFill>
+          <a:ln w="25400">
+            <a:noFill/>
+          </a:ln>
+        </p:spPr>
+        <p:style>
+          <a:lnRef idx="2">
+            <a:schemeClr val="accent1">
+              <a:shade val="50000"/>
+            </a:schemeClr>
+          </a:lnRef>
+          <a:fillRef idx="1">
+            <a:schemeClr val="accent1"/>
+          </a:fillRef>
+          <a:effectRef idx="0">
+            <a:schemeClr val="accent1"/>
+          </a:effectRef>
+          <a:fontRef idx="minor">
+            <a:schemeClr val="lt1"/>
+          </a:fontRef>
+        </p:style>
+        <p:txBody>
+          <a:bodyPr rtlCol="0" anchor="ctr"/>
+          <a:lstStyle/>
+          <a:p>
+            <a:pPr algn="ctr"/>
+            <a:endParaRPr lang="en-US">
+              <a:solidFill>
+                <a:srgbClr val="FFFFFF"/>
+              </a:solidFill>
+            </a:endParaRPr>
+          </a:p>
+        </p:txBody>
+      </p:sp>
+      <p:sp>
+        <p:nvSpPr>
+          <p:cNvPr id="2" name="Title 1">
+            <a:extLst>
+              <a:ext uri="{FF2B5EF4-FFF2-40B4-BE49-F238E27FC236}">
+                <a16:creationId xmlns:a16="http://schemas.microsoft.com/office/drawing/2014/main" id="{2C4FC266-9D8A-49F2-87DC-E1189D7BFD63}"/>
+              </a:ext>
+            </a:extLst>
+          </p:cNvPr>
+          <p:cNvSpPr>
+            <a:spLocks noGrp="1"/>
+          </p:cNvSpPr>
+          <p:nvPr>
+            <p:ph type="title"/>
+          </p:nvPr>
+        </p:nvSpPr>
+        <p:spPr>
+          <a:xfrm>
+            <a:off x="8100127" y="932688"/>
+            <a:ext cx="3361677" cy="3273552"/>
+          </a:xfrm>
+        </p:spPr>
+        <p:txBody>
+          <a:bodyPr vert="horz" lIns="91440" tIns="45720" rIns="91440" bIns="45720" rtlCol="0" anchor="ctr">
+            <a:normAutofit/>
+          </a:bodyPr>
+          <a:lstStyle/>
+          <a:p>
+            <a:r>
+              <a:rPr lang="en-US" sz="3900">
+                <a:solidFill>
+                  <a:srgbClr val="FFFFFF"/>
+                </a:solidFill>
+              </a:rPr>
+              <a:t>Cryptocurrency Pricing Stability - YTD</a:t>
+            </a:r>
+          </a:p>
+        </p:txBody>
+      </p:sp>
+      <p:sp>
+        <p:nvSpPr>
+          <p:cNvPr id="14" name="Rectangle 13">
+            <a:extLst>
+              <a:ext uri="{FF2B5EF4-FFF2-40B4-BE49-F238E27FC236}">
+                <a16:creationId xmlns:a16="http://schemas.microsoft.com/office/drawing/2014/main" id="{FBE9F90C-C163-435B-9A68-D15C92D1CF2B}"/>
+              </a:ext>
+              <a:ext uri="{C183D7F6-B498-43B3-948B-1728B52AA6E4}">
+                <adec:decorative xmlns:adec="http://schemas.microsoft.com/office/drawing/2017/decorative" val="1"/>
+              </a:ext>
+            </a:extLst>
+          </p:cNvPr>
+          <p:cNvSpPr>
+            <a:spLocks noGrp="1" noRot="1" noChangeAspect="1" noMove="1" noResize="1" noEditPoints="1" noAdjustHandles="1" noChangeArrowheads="1" noChangeShapeType="1" noTextEdit="1"/>
+          </p:cNvSpPr>
+          <p:nvPr>
+            <p:extLst>
+              <p:ext uri="{386F3935-93C4-4BCD-93E2-E3B085C9AB24}">
+                <p16:designElem xmlns:p16="http://schemas.microsoft.com/office/powerpoint/2015/main" val="1"/>
+              </p:ext>
+            </p:extLst>
+          </p:nvPr>
+        </p:nvSpPr>
+        <p:spPr>
+          <a:xfrm>
+            <a:off x="7827521" y="4843002"/>
+            <a:ext cx="2391411" cy="1564776"/>
+          </a:xfrm>
+          <a:prstGeom prst="rect">
+            <a:avLst/>
+          </a:prstGeom>
+          <a:solidFill>
+            <a:schemeClr val="accent5">
+              <a:alpha val="95000"/>
+            </a:schemeClr>
+          </a:solidFill>
+          <a:ln w="25400">
+            <a:noFill/>
+          </a:ln>
+        </p:spPr>
+        <p:style>
+          <a:lnRef idx="2">
+            <a:schemeClr val="accent1">
+              <a:shade val="50000"/>
+            </a:schemeClr>
+          </a:lnRef>
+          <a:fillRef idx="1">
+            <a:schemeClr val="accent1"/>
+          </a:fillRef>
+          <a:effectRef idx="0">
+            <a:schemeClr val="accent1"/>
+          </a:effectRef>
+          <a:fontRef idx="minor">
+            <a:schemeClr val="lt1"/>
+          </a:fontRef>
+        </p:style>
+        <p:txBody>
+          <a:bodyPr rtlCol="0" anchor="ctr"/>
+          <a:lstStyle/>
+          <a:p>
+            <a:pPr algn="ctr"/>
+            <a:endParaRPr lang="en-US">
+              <a:solidFill>
+                <a:srgbClr val="FFFFFF"/>
+              </a:solidFill>
+            </a:endParaRPr>
+          </a:p>
+        </p:txBody>
+      </p:sp>
+      <p:pic>
+        <p:nvPicPr>
+          <p:cNvPr id="7" name="Picture 6">
+            <a:extLst>
+              <a:ext uri="{FF2B5EF4-FFF2-40B4-BE49-F238E27FC236}">
+                <a16:creationId xmlns:a16="http://schemas.microsoft.com/office/drawing/2014/main" id="{4BFECBAE-12C1-4828-8D4B-BE5A10651A1E}"/>
+              </a:ext>
+            </a:extLst>
+          </p:cNvPr>
+          <p:cNvPicPr>
+            <a:picLocks noChangeAspect="1"/>
+          </p:cNvPicPr>
+          <p:nvPr/>
+        </p:nvPicPr>
+        <p:blipFill rotWithShape="1">
+          <a:blip r:embed="rId2"/>
+          <a:srcRect l="1741" r="16485" b="2"/>
+          <a:stretch/>
+        </p:blipFill>
+        <p:spPr>
+          <a:xfrm>
+            <a:off x="562708" y="450221"/>
+            <a:ext cx="7109151" cy="5877883"/>
+          </a:xfrm>
+          <a:prstGeom prst="rect">
+            <a:avLst/>
+          </a:prstGeom>
+        </p:spPr>
+      </p:pic>
+      <p:sp>
+        <p:nvSpPr>
+          <p:cNvPr id="16" name="Rectangle 15">
+            <a:extLst>
+              <a:ext uri="{FF2B5EF4-FFF2-40B4-BE49-F238E27FC236}">
+                <a16:creationId xmlns:a16="http://schemas.microsoft.com/office/drawing/2014/main" id="{1A882A9F-F4E9-4E23-8F0B-20B5DF42EAA9}"/>
+              </a:ext>
+              <a:ext uri="{C183D7F6-B498-43B3-948B-1728B52AA6E4}">
+                <adec:decorative xmlns:adec="http://schemas.microsoft.com/office/drawing/2017/decorative" val="1"/>
+              </a:ext>
+            </a:extLst>
+          </p:cNvPr>
+          <p:cNvSpPr>
+            <a:spLocks noGrp="1" noRot="1" noChangeAspect="1" noMove="1" noResize="1" noEditPoints="1" noAdjustHandles="1" noChangeArrowheads="1" noChangeShapeType="1" noTextEdit="1"/>
+          </p:cNvSpPr>
+          <p:nvPr>
+            <p:extLst>
+              <p:ext uri="{386F3935-93C4-4BCD-93E2-E3B085C9AB24}">
+                <p16:designElem xmlns:p16="http://schemas.microsoft.com/office/powerpoint/2015/main" val="1"/>
+              </p:ext>
+            </p:extLst>
+          </p:nvPr>
+        </p:nvSpPr>
+        <p:spPr>
+          <a:xfrm>
+            <a:off x="10374594" y="4843002"/>
+            <a:ext cx="1351062" cy="1568472"/>
+          </a:xfrm>
+          <a:prstGeom prst="rect">
+            <a:avLst/>
+          </a:prstGeom>
+          <a:solidFill>
+            <a:srgbClr val="A5A5A5"/>
+          </a:solidFill>
+          <a:ln w="25400">
+            <a:noFill/>
+          </a:ln>
+        </p:spPr>
+        <p:style>
+          <a:lnRef idx="2">
+            <a:schemeClr val="accent1">
+              <a:shade val="50000"/>
+            </a:schemeClr>
+          </a:lnRef>
+          <a:fillRef idx="1">
+            <a:schemeClr val="accent1"/>
+          </a:fillRef>
+          <a:effectRef idx="0">
+            <a:schemeClr val="accent1"/>
+          </a:effectRef>
+          <a:fontRef idx="minor">
+            <a:schemeClr val="lt1"/>
+          </a:fontRef>
+        </p:style>
+        <p:txBody>
+          <a:bodyPr rtlCol="0" anchor="ctr"/>
+          <a:lstStyle/>
+          <a:p>
+            <a:pPr algn="ctr"/>
+            <a:endParaRPr lang="en-US">
+              <a:solidFill>
+                <a:srgbClr val="FFFFFF"/>
+              </a:solidFill>
+            </a:endParaRPr>
+          </a:p>
+        </p:txBody>
+      </p:sp>
+    </p:spTree>
+    <p:extLst>
+      <p:ext uri="{BB962C8B-B14F-4D97-AF65-F5344CB8AC3E}">
+        <p14:creationId xmlns:p14="http://schemas.microsoft.com/office/powerpoint/2010/main" val="1333412341"/>
+      </p:ext>
+    </p:extLst>
+  </p:cSld>
+  <p:clrMapOvr>
+    <a:masterClrMapping/>
+  </p:clrMapOvr>
+</p:sld>
+</file>
+
+<file path=ppt/slides/slide8.xml><?xml version="1.0" encoding="utf-8"?>
+<p:sld xmlns:a="http://schemas.openxmlformats.org/drawingml/2006/main" xmlns:r="http://schemas.openxmlformats.org/officeDocument/2006/relationships" xmlns:p="http://schemas.openxmlformats.org/presentationml/2006/main">
+  <p:cSld>
+    <p:bg>
+      <p:bgPr>
+        <a:solidFill>
+          <a:schemeClr val="bg1"/>
+        </a:solidFill>
+        <a:effectLst/>
+      </p:bgPr>
+    </p:bg>
+    <p:spTree>
+      <p:nvGrpSpPr>
+        <p:cNvPr id="1" name=""/>
+        <p:cNvGrpSpPr/>
+        <p:nvPr/>
+      </p:nvGrpSpPr>
+      <p:grpSpPr>
+        <a:xfrm>
+          <a:off x="0" y="0"/>
+          <a:ext cx="0" cy="0"/>
+          <a:chOff x="0" y="0"/>
+          <a:chExt cx="0" cy="0"/>
+        </a:xfrm>
+      </p:grpSpPr>
+      <p:sp>
+        <p:nvSpPr>
+          <p:cNvPr id="10" name="Rectangle 9">
+            <a:extLst>
+              <a:ext uri="{FF2B5EF4-FFF2-40B4-BE49-F238E27FC236}">
+                <a16:creationId xmlns:a16="http://schemas.microsoft.com/office/drawing/2014/main" id="{7CA0DAA6-33B8-4A25-810D-2F4D816FB40E}"/>
+              </a:ext>
+              <a:ext uri="{C183D7F6-B498-43B3-948B-1728B52AA6E4}">
+                <adec:decorative xmlns:adec="http://schemas.microsoft.com/office/drawing/2017/decorative" val="1"/>
+              </a:ext>
+            </a:extLst>
+          </p:cNvPr>
+          <p:cNvSpPr>
+            <a:spLocks noGrp="1" noRot="1" noChangeAspect="1" noMove="1" noResize="1" noEditPoints="1" noAdjustHandles="1" noChangeArrowheads="1" noChangeShapeType="1" noTextEdit="1"/>
+          </p:cNvSpPr>
+          <p:nvPr>
+            <p:extLst>
+              <p:ext uri="{386F3935-93C4-4BCD-93E2-E3B085C9AB24}">
+                <p16:designElem xmlns:p16="http://schemas.microsoft.com/office/powerpoint/2015/main" val="1"/>
+              </p:ext>
+            </p:extLst>
+          </p:nvPr>
+        </p:nvSpPr>
+        <p:spPr bwMode="white">
+          <a:xfrm>
+            <a:off x="0" y="0"/>
+            <a:ext cx="4972594" cy="6858000"/>
+          </a:xfrm>
+          <a:prstGeom prst="rect">
+            <a:avLst/>
+          </a:prstGeom>
+          <a:solidFill>
+            <a:schemeClr val="tx1">
+              <a:lumMod val="85000"/>
+              <a:lumOff val="15000"/>
+            </a:schemeClr>
+          </a:solidFill>
+          <a:ln>
+            <a:noFill/>
+          </a:ln>
+        </p:spPr>
+        <p:style>
+          <a:lnRef idx="2">
+            <a:schemeClr val="accent1">
+              <a:shade val="50000"/>
+            </a:schemeClr>
+          </a:lnRef>
+          <a:fillRef idx="1">
+            <a:schemeClr val="accent1"/>
+          </a:fillRef>
+          <a:effectRef idx="0">
+            <a:schemeClr val="accent1"/>
+          </a:effectRef>
+          <a:fontRef idx="minor">
+            <a:schemeClr val="lt1"/>
+          </a:fontRef>
+        </p:style>
+        <p:txBody>
+          <a:bodyPr rtlCol="0" anchor="ctr"/>
+          <a:lstStyle/>
+          <a:p>
+            <a:pPr algn="ctr"/>
+            <a:endParaRPr lang="en-US"/>
+          </a:p>
+        </p:txBody>
+      </p:sp>
+      <p:sp>
+        <p:nvSpPr>
+          <p:cNvPr id="2" name="Title 1">
+            <a:extLst>
+              <a:ext uri="{FF2B5EF4-FFF2-40B4-BE49-F238E27FC236}">
+                <a16:creationId xmlns:a16="http://schemas.microsoft.com/office/drawing/2014/main" id="{7D49B6BC-667C-4241-B45A-F9A5DC17D58F}"/>
+              </a:ext>
+            </a:extLst>
+          </p:cNvPr>
+          <p:cNvSpPr>
+            <a:spLocks noGrp="1"/>
+          </p:cNvSpPr>
+          <p:nvPr>
+            <p:ph type="title"/>
+          </p:nvPr>
+        </p:nvSpPr>
+        <p:spPr>
+          <a:xfrm>
+            <a:off x="651307" y="640081"/>
+            <a:ext cx="3377183" cy="3681976"/>
+          </a:xfrm>
+          <a:noFill/>
+        </p:spPr>
+        <p:txBody>
+          <a:bodyPr vert="horz" lIns="91440" tIns="45720" rIns="91440" bIns="45720" rtlCol="0" anchor="b">
+            <a:normAutofit/>
+          </a:bodyPr>
+          <a:lstStyle/>
+          <a:p>
+            <a:r>
+              <a:rPr lang="en-US" sz="3700">
+                <a:solidFill>
+                  <a:schemeClr val="bg1"/>
+                </a:solidFill>
+              </a:rPr>
+              <a:t>Cryptocurrency Pricing Stability – 5 Year</a:t>
+            </a:r>
+          </a:p>
+        </p:txBody>
+      </p:sp>
+      <p:pic>
+        <p:nvPicPr>
+          <p:cNvPr id="5" name="Picture 4">
+            <a:extLst>
+              <a:ext uri="{FF2B5EF4-FFF2-40B4-BE49-F238E27FC236}">
+                <a16:creationId xmlns:a16="http://schemas.microsoft.com/office/drawing/2014/main" id="{18589DC0-F99B-4EC3-A8D1-1BF0D406C8E3}"/>
+              </a:ext>
+            </a:extLst>
+          </p:cNvPr>
+          <p:cNvPicPr>
+            <a:picLocks noChangeAspect="1"/>
+          </p:cNvPicPr>
+          <p:nvPr/>
+        </p:nvPicPr>
+        <p:blipFill rotWithShape="1">
+          <a:blip r:embed="rId2"/>
+          <a:srcRect r="-1" b="1639"/>
+          <a:stretch/>
+        </p:blipFill>
+        <p:spPr>
+          <a:xfrm>
+            <a:off x="4654297" y="10"/>
+            <a:ext cx="7537704" cy="6857990"/>
+          </a:xfrm>
+          <a:prstGeom prst="rect">
+            <a:avLst/>
+          </a:prstGeom>
+        </p:spPr>
+      </p:pic>
+    </p:spTree>
+    <p:extLst>
+      <p:ext uri="{BB962C8B-B14F-4D97-AF65-F5344CB8AC3E}">
+        <p14:creationId xmlns:p14="http://schemas.microsoft.com/office/powerpoint/2010/main" val="1390949024"/>
+      </p:ext>
+    </p:extLst>
+  </p:cSld>
+  <p:clrMapOvr>
+    <a:masterClrMapping/>
+  </p:clrMapOvr>
+</p:sld>
+</file>
+
+<file path=ppt/slides/slide9.xml><?xml version="1.0" encoding="utf-8"?>
 <p:sld xmlns:a="http://schemas.openxmlformats.org/drawingml/2006/main" xmlns:r="http://schemas.openxmlformats.org/officeDocument/2006/relationships" xmlns:p="http://schemas.openxmlformats.org/presentationml/2006/main">
   <p:cSld>
     <p:spTree>
@@ -3850,7 +5309,7 @@
           <p:cNvPr id="2" name="Title 1">
             <a:extLst>
               <a:ext uri="{FF2B5EF4-FFF2-40B4-BE49-F238E27FC236}">
-                <a16:creationId xmlns:a16="http://schemas.microsoft.com/office/drawing/2014/main" id="{390AE977-CB8F-4045-AB57-4DF37CB694D1}"/>
+                <a16:creationId xmlns:a16="http://schemas.microsoft.com/office/drawing/2014/main" id="{CC954B5D-2039-436A-A53E-4B04A8B28DDC}"/>
               </a:ext>
             </a:extLst>
           </p:cNvPr>
@@ -3861,231 +5320,87 @@
             <p:ph type="title"/>
           </p:nvPr>
         </p:nvSpPr>
-        <p:spPr/>
+        <p:spPr>
+          <a:xfrm>
+            <a:off x="838200" y="226002"/>
+            <a:ext cx="10515600" cy="1325563"/>
+          </a:xfrm>
+        </p:spPr>
         <p:txBody>
           <a:bodyPr/>
           <a:lstStyle/>
           <a:p>
             <a:r>
               <a:rPr lang="en-US" dirty="0"/>
-              <a:t>Does the price of Bitcoin follow the USD?</a:t>
-            </a:r>
-          </a:p>
-        </p:txBody>
-      </p:sp>
-      <p:sp>
-        <p:nvSpPr>
-          <p:cNvPr id="3" name="Content Placeholder 2">
-            <a:extLst>
-              <a:ext uri="{FF2B5EF4-FFF2-40B4-BE49-F238E27FC236}">
-                <a16:creationId xmlns:a16="http://schemas.microsoft.com/office/drawing/2014/main" id="{FE5A1025-AC84-478C-9976-2BB1C7F19EE0}"/>
-              </a:ext>
-            </a:extLst>
-          </p:cNvPr>
-          <p:cNvSpPr>
-            <a:spLocks noGrp="1"/>
-          </p:cNvSpPr>
-          <p:nvPr>
-            <p:ph idx="1"/>
-          </p:nvPr>
-        </p:nvSpPr>
-        <p:spPr/>
-        <p:txBody>
-          <a:bodyPr/>
-          <a:lstStyle/>
-          <a:p>
-            <a:r>
-              <a:rPr lang="en-US" dirty="0"/>
-              <a:t>Is there a correlation between the price of Bitcoin and the USD?</a:t>
-            </a:r>
-          </a:p>
-        </p:txBody>
-      </p:sp>
+              <a:t>What is the most traded Cryptocurrency?</a:t>
+            </a:r>
+          </a:p>
+        </p:txBody>
+      </p:sp>
+      <p:pic>
+        <p:nvPicPr>
+          <p:cNvPr id="7" name="Picture 6">
+            <a:extLst>
+              <a:ext uri="{FF2B5EF4-FFF2-40B4-BE49-F238E27FC236}">
+                <a16:creationId xmlns:a16="http://schemas.microsoft.com/office/drawing/2014/main" id="{E5F556C9-B090-4C05-94C6-248511AD230A}"/>
+              </a:ext>
+            </a:extLst>
+          </p:cNvPr>
+          <p:cNvPicPr>
+            <a:picLocks noChangeAspect="1"/>
+          </p:cNvPicPr>
+          <p:nvPr/>
+        </p:nvPicPr>
+        <p:blipFill>
+          <a:blip r:embed="rId2"/>
+          <a:stretch>
+            <a:fillRect/>
+          </a:stretch>
+        </p:blipFill>
+        <p:spPr>
+          <a:xfrm>
+            <a:off x="2378686" y="1227425"/>
+            <a:ext cx="5934903" cy="3924848"/>
+          </a:xfrm>
+          <a:prstGeom prst="rect">
+            <a:avLst/>
+          </a:prstGeom>
+        </p:spPr>
+      </p:pic>
+      <p:pic>
+        <p:nvPicPr>
+          <p:cNvPr id="9" name="Picture 8">
+            <a:extLst>
+              <a:ext uri="{FF2B5EF4-FFF2-40B4-BE49-F238E27FC236}">
+                <a16:creationId xmlns:a16="http://schemas.microsoft.com/office/drawing/2014/main" id="{C1822C9E-6F6C-4EF0-819F-E5E9B71A7327}"/>
+              </a:ext>
+            </a:extLst>
+          </p:cNvPr>
+          <p:cNvPicPr>
+            <a:picLocks noChangeAspect="1"/>
+          </p:cNvPicPr>
+          <p:nvPr/>
+        </p:nvPicPr>
+        <p:blipFill>
+          <a:blip r:embed="rId3"/>
+          <a:stretch>
+            <a:fillRect/>
+          </a:stretch>
+        </p:blipFill>
+        <p:spPr>
+          <a:xfrm>
+            <a:off x="2472055" y="5152273"/>
+            <a:ext cx="5748164" cy="1479725"/>
+          </a:xfrm>
+          <a:prstGeom prst="rect">
+            <a:avLst/>
+          </a:prstGeom>
+        </p:spPr>
+      </p:pic>
     </p:spTree>
     <p:extLst>
       <p:ext uri="{BB962C8B-B14F-4D97-AF65-F5344CB8AC3E}">
-        <p14:creationId xmlns:p14="http://schemas.microsoft.com/office/powerpoint/2010/main" val="3662346157"/>
-      </p:ext>
-    </p:extLst>
-  </p:cSld>
-  <p:clrMapOvr>
-    <a:masterClrMapping/>
-  </p:clrMapOvr>
-</p:sld>
-</file>
-
-<file path=ppt/slides/slide7.xml><?xml version="1.0" encoding="utf-8"?>
-<p:sld xmlns:a="http://schemas.openxmlformats.org/drawingml/2006/main" xmlns:r="http://schemas.openxmlformats.org/officeDocument/2006/relationships" xmlns:p="http://schemas.openxmlformats.org/presentationml/2006/main">
-  <p:cSld>
-    <p:spTree>
-      <p:nvGrpSpPr>
-        <p:cNvPr id="1" name=""/>
-        <p:cNvGrpSpPr/>
-        <p:nvPr/>
-      </p:nvGrpSpPr>
-      <p:grpSpPr>
-        <a:xfrm>
-          <a:off x="0" y="0"/>
-          <a:ext cx="0" cy="0"/>
-          <a:chOff x="0" y="0"/>
-          <a:chExt cx="0" cy="0"/>
-        </a:xfrm>
-      </p:grpSpPr>
-      <p:sp>
-        <p:nvSpPr>
-          <p:cNvPr id="2" name="Title 1">
-            <a:extLst>
-              <a:ext uri="{FF2B5EF4-FFF2-40B4-BE49-F238E27FC236}">
-                <a16:creationId xmlns:a16="http://schemas.microsoft.com/office/drawing/2014/main" id="{C2992924-0568-4C61-B411-C520C68C776D}"/>
-              </a:ext>
-            </a:extLst>
-          </p:cNvPr>
-          <p:cNvSpPr>
-            <a:spLocks noGrp="1"/>
-          </p:cNvSpPr>
-          <p:nvPr>
-            <p:ph type="title"/>
-          </p:nvPr>
-        </p:nvSpPr>
-        <p:spPr/>
-        <p:txBody>
-          <a:bodyPr>
-            <a:normAutofit/>
-          </a:bodyPr>
-          <a:lstStyle/>
-          <a:p>
-            <a:r>
-              <a:rPr lang="en-US" dirty="0">
-                <a:highlight>
-                  <a:srgbClr val="FFFF00"/>
-                </a:highlight>
-              </a:rPr>
-              <a:t>Does social media popularity contribute to pricing changes?</a:t>
-            </a:r>
-            <a:endParaRPr lang="en-US" dirty="0"/>
-          </a:p>
-        </p:txBody>
-      </p:sp>
-      <p:sp>
-        <p:nvSpPr>
-          <p:cNvPr id="3" name="Content Placeholder 2">
-            <a:extLst>
-              <a:ext uri="{FF2B5EF4-FFF2-40B4-BE49-F238E27FC236}">
-                <a16:creationId xmlns:a16="http://schemas.microsoft.com/office/drawing/2014/main" id="{EFEA17DC-6C93-4173-8A45-1B2B4DA73E66}"/>
-              </a:ext>
-            </a:extLst>
-          </p:cNvPr>
-          <p:cNvSpPr>
-            <a:spLocks noGrp="1"/>
-          </p:cNvSpPr>
-          <p:nvPr>
-            <p:ph idx="1"/>
-          </p:nvPr>
-        </p:nvSpPr>
-        <p:spPr/>
-        <p:txBody>
-          <a:bodyPr/>
-          <a:lstStyle/>
-          <a:p>
-            <a:r>
-              <a:rPr lang="en-US" dirty="0"/>
-              <a:t>Is there a relationship between media popularity that influences pricing changes?</a:t>
-            </a:r>
-          </a:p>
-        </p:txBody>
-      </p:sp>
-    </p:spTree>
-    <p:extLst>
-      <p:ext uri="{BB962C8B-B14F-4D97-AF65-F5344CB8AC3E}">
-        <p14:creationId xmlns:p14="http://schemas.microsoft.com/office/powerpoint/2010/main" val="2686159674"/>
-      </p:ext>
-    </p:extLst>
-  </p:cSld>
-  <p:clrMapOvr>
-    <a:masterClrMapping/>
-  </p:clrMapOvr>
-</p:sld>
-</file>
-
-<file path=ppt/slides/slide8.xml><?xml version="1.0" encoding="utf-8"?>
-<p:sld xmlns:a="http://schemas.openxmlformats.org/drawingml/2006/main" xmlns:r="http://schemas.openxmlformats.org/officeDocument/2006/relationships" xmlns:p="http://schemas.openxmlformats.org/presentationml/2006/main">
-  <p:cSld>
-    <p:spTree>
-      <p:nvGrpSpPr>
-        <p:cNvPr id="1" name=""/>
-        <p:cNvGrpSpPr/>
-        <p:nvPr/>
-      </p:nvGrpSpPr>
-      <p:grpSpPr>
-        <a:xfrm>
-          <a:off x="0" y="0"/>
-          <a:ext cx="0" cy="0"/>
-          <a:chOff x="0" y="0"/>
-          <a:chExt cx="0" cy="0"/>
-        </a:xfrm>
-      </p:grpSpPr>
-      <p:sp>
-        <p:nvSpPr>
-          <p:cNvPr id="2" name="Title 1">
-            <a:extLst>
-              <a:ext uri="{FF2B5EF4-FFF2-40B4-BE49-F238E27FC236}">
-                <a16:creationId xmlns:a16="http://schemas.microsoft.com/office/drawing/2014/main" id="{5B7541AC-F8D1-4950-93DD-6DB02DB3A8D5}"/>
-              </a:ext>
-            </a:extLst>
-          </p:cNvPr>
-          <p:cNvSpPr>
-            <a:spLocks noGrp="1"/>
-          </p:cNvSpPr>
-          <p:nvPr>
-            <p:ph type="title"/>
-          </p:nvPr>
-        </p:nvSpPr>
-        <p:spPr/>
-        <p:txBody>
-          <a:bodyPr>
-            <a:normAutofit/>
-          </a:bodyPr>
-          <a:lstStyle/>
-          <a:p>
-            <a:r>
-              <a:rPr lang="en-US" dirty="0"/>
-              <a:t>Do we think Cryptocurrency is a good investment?</a:t>
-            </a:r>
-          </a:p>
-        </p:txBody>
-      </p:sp>
-      <p:sp>
-        <p:nvSpPr>
-          <p:cNvPr id="3" name="Content Placeholder 2">
-            <a:extLst>
-              <a:ext uri="{FF2B5EF4-FFF2-40B4-BE49-F238E27FC236}">
-                <a16:creationId xmlns:a16="http://schemas.microsoft.com/office/drawing/2014/main" id="{E8EC7ED1-A084-47AD-AB05-B6C8C101BD29}"/>
-              </a:ext>
-            </a:extLst>
-          </p:cNvPr>
-          <p:cNvSpPr>
-            <a:spLocks noGrp="1"/>
-          </p:cNvSpPr>
-          <p:nvPr>
-            <p:ph idx="1"/>
-          </p:nvPr>
-        </p:nvSpPr>
-        <p:spPr/>
-        <p:txBody>
-          <a:bodyPr/>
-          <a:lstStyle/>
-          <a:p>
-            <a:r>
-              <a:rPr lang="en-US" dirty="0"/>
-              <a:t>What Cryptocurrency appears to be the best investment?</a:t>
-            </a:r>
-          </a:p>
-        </p:txBody>
-      </p:sp>
-    </p:spTree>
-    <p:extLst>
-      <p:ext uri="{BB962C8B-B14F-4D97-AF65-F5344CB8AC3E}">
-        <p14:creationId xmlns:p14="http://schemas.microsoft.com/office/powerpoint/2010/main" val="2424782966"/>
+        <p14:creationId xmlns:p14="http://schemas.microsoft.com/office/powerpoint/2010/main" val="3474242650"/>
       </p:ext>
     </p:extLst>
   </p:cSld>

--- a/Cryptocurrency_Presentation.pptx
+++ b/Cryptocurrency_Presentation.pptx
@@ -16,7 +16,8 @@
     <p:sldId id="261" r:id="rId10"/>
     <p:sldId id="262" r:id="rId11"/>
     <p:sldId id="263" r:id="rId12"/>
-    <p:sldId id="264" r:id="rId13"/>
+    <p:sldId id="269" r:id="rId13"/>
+    <p:sldId id="264" r:id="rId14"/>
   </p:sldIdLst>
   <p:sldSz cx="12192000" cy="6858000"/>
   <p:notesSz cx="6858000" cy="9144000"/>
@@ -270,7 +271,7 @@
           <a:p>
             <a:fld id="{F664B0EE-B537-42B8-9038-0F98724E1F9E}" type="datetimeFigureOut">
               <a:rPr lang="en-US" smtClean="0"/>
-              <a:t>10/27/2020</a:t>
+              <a:t>10/28/2020</a:t>
             </a:fld>
             <a:endParaRPr lang="en-US"/>
           </a:p>
@@ -468,7 +469,7 @@
           <a:p>
             <a:fld id="{F664B0EE-B537-42B8-9038-0F98724E1F9E}" type="datetimeFigureOut">
               <a:rPr lang="en-US" smtClean="0"/>
-              <a:t>10/27/2020</a:t>
+              <a:t>10/28/2020</a:t>
             </a:fld>
             <a:endParaRPr lang="en-US"/>
           </a:p>
@@ -676,7 +677,7 @@
           <a:p>
             <a:fld id="{F664B0EE-B537-42B8-9038-0F98724E1F9E}" type="datetimeFigureOut">
               <a:rPr lang="en-US" smtClean="0"/>
-              <a:t>10/27/2020</a:t>
+              <a:t>10/28/2020</a:t>
             </a:fld>
             <a:endParaRPr lang="en-US"/>
           </a:p>
@@ -874,7 +875,7 @@
           <a:p>
             <a:fld id="{F664B0EE-B537-42B8-9038-0F98724E1F9E}" type="datetimeFigureOut">
               <a:rPr lang="en-US" smtClean="0"/>
-              <a:t>10/27/2020</a:t>
+              <a:t>10/28/2020</a:t>
             </a:fld>
             <a:endParaRPr lang="en-US"/>
           </a:p>
@@ -1149,7 +1150,7 @@
           <a:p>
             <a:fld id="{F664B0EE-B537-42B8-9038-0F98724E1F9E}" type="datetimeFigureOut">
               <a:rPr lang="en-US" smtClean="0"/>
-              <a:t>10/27/2020</a:t>
+              <a:t>10/28/2020</a:t>
             </a:fld>
             <a:endParaRPr lang="en-US"/>
           </a:p>
@@ -1414,7 +1415,7 @@
           <a:p>
             <a:fld id="{F664B0EE-B537-42B8-9038-0F98724E1F9E}" type="datetimeFigureOut">
               <a:rPr lang="en-US" smtClean="0"/>
-              <a:t>10/27/2020</a:t>
+              <a:t>10/28/2020</a:t>
             </a:fld>
             <a:endParaRPr lang="en-US"/>
           </a:p>
@@ -1826,7 +1827,7 @@
           <a:p>
             <a:fld id="{F664B0EE-B537-42B8-9038-0F98724E1F9E}" type="datetimeFigureOut">
               <a:rPr lang="en-US" smtClean="0"/>
-              <a:t>10/27/2020</a:t>
+              <a:t>10/28/2020</a:t>
             </a:fld>
             <a:endParaRPr lang="en-US"/>
           </a:p>
@@ -1967,7 +1968,7 @@
           <a:p>
             <a:fld id="{F664B0EE-B537-42B8-9038-0F98724E1F9E}" type="datetimeFigureOut">
               <a:rPr lang="en-US" smtClean="0"/>
-              <a:t>10/27/2020</a:t>
+              <a:t>10/28/2020</a:t>
             </a:fld>
             <a:endParaRPr lang="en-US"/>
           </a:p>
@@ -2080,7 +2081,7 @@
           <a:p>
             <a:fld id="{F664B0EE-B537-42B8-9038-0F98724E1F9E}" type="datetimeFigureOut">
               <a:rPr lang="en-US" smtClean="0"/>
-              <a:t>10/27/2020</a:t>
+              <a:t>10/28/2020</a:t>
             </a:fld>
             <a:endParaRPr lang="en-US"/>
           </a:p>
@@ -2391,7 +2392,7 @@
           <a:p>
             <a:fld id="{F664B0EE-B537-42B8-9038-0F98724E1F9E}" type="datetimeFigureOut">
               <a:rPr lang="en-US" smtClean="0"/>
-              <a:t>10/27/2020</a:t>
+              <a:t>10/28/2020</a:t>
             </a:fld>
             <a:endParaRPr lang="en-US"/>
           </a:p>
@@ -2679,7 +2680,7 @@
           <a:p>
             <a:fld id="{F664B0EE-B537-42B8-9038-0F98724E1F9E}" type="datetimeFigureOut">
               <a:rPr lang="en-US" smtClean="0"/>
-              <a:t>10/27/2020</a:t>
+              <a:t>10/28/2020</a:t>
             </a:fld>
             <a:endParaRPr lang="en-US"/>
           </a:p>
@@ -2920,7 +2921,7 @@
           <a:p>
             <a:fld id="{F664B0EE-B537-42B8-9038-0F98724E1F9E}" type="datetimeFigureOut">
               <a:rPr lang="en-US" smtClean="0"/>
-              <a:t>10/27/2020</a:t>
+              <a:t>10/28/2020</a:t>
             </a:fld>
             <a:endParaRPr lang="en-US"/>
           </a:p>
@@ -3323,6 +3324,21 @@
 <file path=ppt/slides/slide1.xml><?xml version="1.0" encoding="utf-8"?>
 <p:sld xmlns:a="http://schemas.openxmlformats.org/drawingml/2006/main" xmlns:r="http://schemas.openxmlformats.org/officeDocument/2006/relationships" xmlns:p="http://schemas.openxmlformats.org/presentationml/2006/main">
   <p:cSld>
+    <p:bg>
+      <p:bgPr>
+        <a:pattFill prst="horzBrick">
+          <a:fgClr>
+            <a:schemeClr val="bg1">
+              <a:lumMod val="75000"/>
+            </a:schemeClr>
+          </a:fgClr>
+          <a:bgClr>
+            <a:schemeClr val="bg1"/>
+          </a:bgClr>
+        </a:pattFill>
+        <a:effectLst/>
+      </p:bgPr>
+    </p:bg>
     <p:spTree>
       <p:nvGrpSpPr>
         <p:cNvPr id="1" name=""/>
@@ -3716,6 +3732,41 @@
 <file path=ppt/slides/slide11.xml><?xml version="1.0" encoding="utf-8"?>
 <p:sld xmlns:a="http://schemas.openxmlformats.org/drawingml/2006/main" xmlns:r="http://schemas.openxmlformats.org/officeDocument/2006/relationships" xmlns:p="http://schemas.openxmlformats.org/presentationml/2006/main">
   <p:cSld>
+    <p:bg>
+      <p:bgPr>
+        <a:gradFill flip="none" rotWithShape="1">
+          <a:gsLst>
+            <a:gs pos="0">
+              <a:schemeClr val="accent4">
+                <a:lumMod val="5000"/>
+                <a:lumOff val="95000"/>
+              </a:schemeClr>
+            </a:gs>
+            <a:gs pos="74000">
+              <a:schemeClr val="accent4">
+                <a:lumMod val="45000"/>
+                <a:lumOff val="55000"/>
+              </a:schemeClr>
+            </a:gs>
+            <a:gs pos="83000">
+              <a:schemeClr val="accent4">
+                <a:lumMod val="45000"/>
+                <a:lumOff val="55000"/>
+              </a:schemeClr>
+            </a:gs>
+            <a:gs pos="100000">
+              <a:schemeClr val="accent4">
+                <a:lumMod val="30000"/>
+                <a:lumOff val="70000"/>
+              </a:schemeClr>
+            </a:gs>
+          </a:gsLst>
+          <a:lin ang="5400000" scaled="1"/>
+          <a:tileRect/>
+        </a:gradFill>
+        <a:effectLst/>
+      </p:bgPr>
+    </p:bg>
     <p:spTree>
       <p:nvGrpSpPr>
         <p:cNvPr id="1" name=""/>
@@ -3754,45 +3805,73 @@
           <a:lstStyle/>
           <a:p>
             <a:r>
-              <a:rPr lang="en-US" dirty="0">
-                <a:highlight>
-                  <a:srgbClr val="FFFF00"/>
-                </a:highlight>
-              </a:rPr>
-              <a:t>Does social media popularity contribute to pricing changes?</a:t>
+              <a:rPr lang="en-US"/>
+              <a:t>Does social media influence pricing changes?</a:t>
             </a:r>
             <a:endParaRPr lang="en-US" dirty="0"/>
           </a:p>
         </p:txBody>
       </p:sp>
-      <p:sp>
-        <p:nvSpPr>
-          <p:cNvPr id="3" name="Content Placeholder 2">
-            <a:extLst>
-              <a:ext uri="{FF2B5EF4-FFF2-40B4-BE49-F238E27FC236}">
-                <a16:creationId xmlns:a16="http://schemas.microsoft.com/office/drawing/2014/main" id="{EFEA17DC-6C93-4173-8A45-1B2B4DA73E66}"/>
-              </a:ext>
-            </a:extLst>
-          </p:cNvPr>
-          <p:cNvSpPr>
-            <a:spLocks noGrp="1"/>
-          </p:cNvSpPr>
-          <p:nvPr>
-            <p:ph idx="1"/>
-          </p:nvPr>
-        </p:nvSpPr>
-        <p:spPr/>
-        <p:txBody>
-          <a:bodyPr/>
-          <a:lstStyle/>
-          <a:p>
-            <a:r>
-              <a:rPr lang="en-US" dirty="0"/>
-              <a:t>Is there a relationship between media popularity that influences pricing changes?</a:t>
-            </a:r>
-          </a:p>
-        </p:txBody>
-      </p:sp>
+      <p:pic>
+        <p:nvPicPr>
+          <p:cNvPr id="5" name="Picture 4">
+            <a:extLst>
+              <a:ext uri="{FF2B5EF4-FFF2-40B4-BE49-F238E27FC236}">
+                <a16:creationId xmlns:a16="http://schemas.microsoft.com/office/drawing/2014/main" id="{F7EB9580-A1EB-4F89-A32B-25D16FBF6760}"/>
+              </a:ext>
+            </a:extLst>
+          </p:cNvPr>
+          <p:cNvPicPr>
+            <a:picLocks noChangeAspect="1"/>
+          </p:cNvPicPr>
+          <p:nvPr/>
+        </p:nvPicPr>
+        <p:blipFill>
+          <a:blip r:embed="rId2"/>
+          <a:stretch>
+            <a:fillRect/>
+          </a:stretch>
+        </p:blipFill>
+        <p:spPr>
+          <a:xfrm>
+            <a:off x="734179" y="1690688"/>
+            <a:ext cx="5113293" cy="3935230"/>
+          </a:xfrm>
+          <a:prstGeom prst="rect">
+            <a:avLst/>
+          </a:prstGeom>
+        </p:spPr>
+      </p:pic>
+      <p:pic>
+        <p:nvPicPr>
+          <p:cNvPr id="7" name="Picture 6">
+            <a:extLst>
+              <a:ext uri="{FF2B5EF4-FFF2-40B4-BE49-F238E27FC236}">
+                <a16:creationId xmlns:a16="http://schemas.microsoft.com/office/drawing/2014/main" id="{51E7C45E-581B-4400-BAB3-609A7F533BE1}"/>
+              </a:ext>
+            </a:extLst>
+          </p:cNvPr>
+          <p:cNvPicPr>
+            <a:picLocks noChangeAspect="1"/>
+          </p:cNvPicPr>
+          <p:nvPr/>
+        </p:nvPicPr>
+        <p:blipFill>
+          <a:blip r:embed="rId3"/>
+          <a:stretch>
+            <a:fillRect/>
+          </a:stretch>
+        </p:blipFill>
+        <p:spPr>
+          <a:xfrm>
+            <a:off x="6344529" y="2180266"/>
+            <a:ext cx="5318762" cy="4142497"/>
+          </a:xfrm>
+          <a:prstGeom prst="rect">
+            <a:avLst/>
+          </a:prstGeom>
+        </p:spPr>
+      </p:pic>
     </p:spTree>
     <p:extLst>
       <p:ext uri="{BB962C8B-B14F-4D97-AF65-F5344CB8AC3E}">
@@ -3809,6 +3888,22 @@
 <file path=ppt/slides/slide12.xml><?xml version="1.0" encoding="utf-8"?>
 <p:sld xmlns:a="http://schemas.openxmlformats.org/drawingml/2006/main" xmlns:r="http://schemas.openxmlformats.org/officeDocument/2006/relationships" xmlns:p="http://schemas.openxmlformats.org/presentationml/2006/main">
   <p:cSld>
+    <p:bg>
+      <p:bgPr>
+        <a:pattFill prst="dashUpDiag">
+          <a:fgClr>
+            <a:schemeClr val="accent1">
+              <a:lumMod val="40000"/>
+              <a:lumOff val="60000"/>
+            </a:schemeClr>
+          </a:fgClr>
+          <a:bgClr>
+            <a:schemeClr val="bg1"/>
+          </a:bgClr>
+        </a:pattFill>
+        <a:effectLst/>
+      </p:bgPr>
+    </p:bg>
     <p:spTree>
       <p:nvGrpSpPr>
         <p:cNvPr id="1" name=""/>
@@ -3823,6 +3918,79 @@
           <a:chExt cx="0" cy="0"/>
         </a:xfrm>
       </p:grpSpPr>
+      <p:pic>
+        <p:nvPicPr>
+          <p:cNvPr id="5" name="Picture 4">
+            <a:extLst>
+              <a:ext uri="{FF2B5EF4-FFF2-40B4-BE49-F238E27FC236}">
+                <a16:creationId xmlns:a16="http://schemas.microsoft.com/office/drawing/2014/main" id="{9D4BD67F-83D1-471E-B99D-A29C6FC83EA4}"/>
+              </a:ext>
+            </a:extLst>
+          </p:cNvPr>
+          <p:cNvPicPr>
+            <a:picLocks noChangeAspect="1"/>
+          </p:cNvPicPr>
+          <p:nvPr/>
+        </p:nvPicPr>
+        <p:blipFill>
+          <a:blip r:embed="rId2"/>
+          <a:stretch>
+            <a:fillRect/>
+          </a:stretch>
+        </p:blipFill>
+        <p:spPr>
+          <a:xfrm>
+            <a:off x="3082191" y="1205278"/>
+            <a:ext cx="6027617" cy="4902067"/>
+          </a:xfrm>
+          <a:prstGeom prst="rect">
+            <a:avLst/>
+          </a:prstGeom>
+        </p:spPr>
+      </p:pic>
+    </p:spTree>
+    <p:extLst>
+      <p:ext uri="{BB962C8B-B14F-4D97-AF65-F5344CB8AC3E}">
+        <p14:creationId xmlns:p14="http://schemas.microsoft.com/office/powerpoint/2010/main" val="1846890682"/>
+      </p:ext>
+    </p:extLst>
+  </p:cSld>
+  <p:clrMapOvr>
+    <a:masterClrMapping/>
+  </p:clrMapOvr>
+</p:sld>
+</file>
+
+<file path=ppt/slides/slide13.xml><?xml version="1.0" encoding="utf-8"?>
+<p:sld xmlns:a="http://schemas.openxmlformats.org/drawingml/2006/main" xmlns:r="http://schemas.openxmlformats.org/officeDocument/2006/relationships" xmlns:p="http://schemas.openxmlformats.org/presentationml/2006/main">
+  <p:cSld>
+    <p:bg>
+      <p:bgPr>
+        <a:pattFill prst="dashVert">
+          <a:fgClr>
+            <a:srgbClr val="92D050"/>
+          </a:fgClr>
+          <a:bgClr>
+            <a:schemeClr val="bg1"/>
+          </a:bgClr>
+        </a:pattFill>
+        <a:effectLst/>
+      </p:bgPr>
+    </p:bg>
+    <p:spTree>
+      <p:nvGrpSpPr>
+        <p:cNvPr id="1" name=""/>
+        <p:cNvGrpSpPr/>
+        <p:nvPr/>
+      </p:nvGrpSpPr>
+      <p:grpSpPr>
+        <a:xfrm>
+          <a:off x="0" y="0"/>
+          <a:ext cx="0" cy="0"/>
+          <a:chOff x="0" y="0"/>
+          <a:chExt cx="0" cy="0"/>
+        </a:xfrm>
+      </p:grpSpPr>
       <p:sp>
         <p:nvSpPr>
           <p:cNvPr id="2" name="Title 1">
@@ -3869,7 +4037,9 @@
             <p:ph idx="1"/>
           </p:nvPr>
         </p:nvSpPr>
-        <p:spPr/>
+        <p:spPr>
+          <a:noFill/>
+        </p:spPr>
         <p:txBody>
           <a:bodyPr/>
           <a:lstStyle/>
@@ -3908,7 +4078,7 @@
             <a:pPr lvl="1"/>
             <a:r>
               <a:rPr lang="en-US" dirty="0"/>
-              <a:t>Tether (USTD) is the most unstable </a:t>
+              <a:t>Tether (USDT) is the most unstable </a:t>
             </a:r>
           </a:p>
         </p:txBody>
@@ -3929,6 +4099,22 @@
 <file path=ppt/slides/slide2.xml><?xml version="1.0" encoding="utf-8"?>
 <p:sld xmlns:a="http://schemas.openxmlformats.org/drawingml/2006/main" xmlns:r="http://schemas.openxmlformats.org/officeDocument/2006/relationships" xmlns:p="http://schemas.openxmlformats.org/presentationml/2006/main">
   <p:cSld>
+    <p:bg>
+      <p:bgPr>
+        <a:pattFill prst="pct80">
+          <a:fgClr>
+            <a:schemeClr val="accent5">
+              <a:lumMod val="20000"/>
+              <a:lumOff val="80000"/>
+            </a:schemeClr>
+          </a:fgClr>
+          <a:bgClr>
+            <a:schemeClr val="accent1"/>
+          </a:bgClr>
+        </a:pattFill>
+        <a:effectLst/>
+      </p:bgPr>
+    </p:bg>
     <p:spTree>
       <p:nvGrpSpPr>
         <p:cNvPr id="1" name=""/>
@@ -4037,6 +4223,22 @@
 <file path=ppt/slides/slide3.xml><?xml version="1.0" encoding="utf-8"?>
 <p:sld xmlns:a="http://schemas.openxmlformats.org/drawingml/2006/main" xmlns:r="http://schemas.openxmlformats.org/officeDocument/2006/relationships" xmlns:p="http://schemas.openxmlformats.org/presentationml/2006/main">
   <p:cSld>
+    <p:bg>
+      <p:bgPr>
+        <a:pattFill prst="dkUpDiag">
+          <a:fgClr>
+            <a:schemeClr val="accent6">
+              <a:lumMod val="40000"/>
+              <a:lumOff val="60000"/>
+            </a:schemeClr>
+          </a:fgClr>
+          <a:bgClr>
+            <a:schemeClr val="bg1"/>
+          </a:bgClr>
+        </a:pattFill>
+        <a:effectLst/>
+      </p:bgPr>
+    </p:bg>
     <p:spTree>
       <p:nvGrpSpPr>
         <p:cNvPr id="1" name=""/>
@@ -4095,7 +4297,9 @@
             <p:ph idx="1"/>
           </p:nvPr>
         </p:nvSpPr>
-        <p:spPr/>
+        <p:spPr>
+          <a:noFill/>
+        </p:spPr>
         <p:txBody>
           <a:bodyPr>
             <a:normAutofit/>
@@ -4188,6 +4392,19 @@
 <file path=ppt/slides/slide4.xml><?xml version="1.0" encoding="utf-8"?>
 <p:sld xmlns:a="http://schemas.openxmlformats.org/drawingml/2006/main" xmlns:r="http://schemas.openxmlformats.org/officeDocument/2006/relationships" xmlns:p="http://schemas.openxmlformats.org/presentationml/2006/main">
   <p:cSld>
+    <p:bg>
+      <p:bgPr>
+        <a:pattFill prst="openDmnd">
+          <a:fgClr>
+            <a:srgbClr val="CC99FF"/>
+          </a:fgClr>
+          <a:bgClr>
+            <a:schemeClr val="bg1"/>
+          </a:bgClr>
+        </a:pattFill>
+        <a:effectLst/>
+      </p:bgPr>
+    </p:bg>
     <p:spTree>
       <p:nvGrpSpPr>
         <p:cNvPr id="1" name=""/>
@@ -4277,6 +4494,22 @@
 <file path=ppt/slides/slide5.xml><?xml version="1.0" encoding="utf-8"?>
 <p:sld xmlns:a="http://schemas.openxmlformats.org/drawingml/2006/main" xmlns:r="http://schemas.openxmlformats.org/officeDocument/2006/relationships" xmlns:p="http://schemas.openxmlformats.org/presentationml/2006/main">
   <p:cSld>
+    <p:bg>
+      <p:bgPr>
+        <a:pattFill prst="dkVert">
+          <a:fgClr>
+            <a:schemeClr val="accent2">
+              <a:lumMod val="20000"/>
+              <a:lumOff val="80000"/>
+            </a:schemeClr>
+          </a:fgClr>
+          <a:bgClr>
+            <a:schemeClr val="bg1"/>
+          </a:bgClr>
+        </a:pattFill>
+        <a:effectLst/>
+      </p:bgPr>
+    </p:bg>
     <p:spTree>
       <p:nvGrpSpPr>
         <p:cNvPr id="1" name=""/>
@@ -5290,6 +5523,40 @@
 <file path=ppt/slides/slide9.xml><?xml version="1.0" encoding="utf-8"?>
 <p:sld xmlns:a="http://schemas.openxmlformats.org/drawingml/2006/main" xmlns:r="http://schemas.openxmlformats.org/officeDocument/2006/relationships" xmlns:p="http://schemas.openxmlformats.org/presentationml/2006/main">
   <p:cSld>
+    <p:bg>
+      <p:bgPr>
+        <a:gradFill>
+          <a:gsLst>
+            <a:gs pos="0">
+              <a:schemeClr val="accent1">
+                <a:lumMod val="5000"/>
+                <a:lumOff val="95000"/>
+              </a:schemeClr>
+            </a:gs>
+            <a:gs pos="74000">
+              <a:schemeClr val="accent1">
+                <a:lumMod val="45000"/>
+                <a:lumOff val="55000"/>
+              </a:schemeClr>
+            </a:gs>
+            <a:gs pos="83000">
+              <a:schemeClr val="accent1">
+                <a:lumMod val="45000"/>
+                <a:lumOff val="55000"/>
+              </a:schemeClr>
+            </a:gs>
+            <a:gs pos="100000">
+              <a:schemeClr val="accent1">
+                <a:lumMod val="30000"/>
+                <a:lumOff val="70000"/>
+              </a:schemeClr>
+            </a:gs>
+          </a:gsLst>
+          <a:lin ang="5400000" scaled="1"/>
+        </a:gradFill>
+        <a:effectLst/>
+      </p:bgPr>
+    </p:bg>
     <p:spTree>
       <p:nvGrpSpPr>
         <p:cNvPr id="1" name=""/>

--- a/Cryptocurrency_Presentation.pptx
+++ b/Cryptocurrency_Presentation.pptx
@@ -3375,9 +3375,10 @@
           <a:lstStyle/>
           <a:p>
             <a:r>
-              <a:rPr lang="en-US" dirty="0"/>
-              <a:t>Cryptocurrency </a:t>
-            </a:r>
+              <a:rPr lang="en-US"/>
+              <a:t>Not-So-Cryptic Cryptocurrency  </a:t>
+            </a:r>
+            <a:endParaRPr lang="en-US" dirty="0"/>
           </a:p>
         </p:txBody>
       </p:sp>
@@ -4349,12 +4350,8 @@
           <a:p>
             <a:pPr lvl="1"/>
             <a:r>
-              <a:rPr lang="en-US" dirty="0">
-                <a:highlight>
-                  <a:srgbClr val="FFFF00"/>
-                </a:highlight>
-              </a:rPr>
-              <a:t>Does social media popularity contribute to pricing changes?</a:t>
+              <a:rPr lang="en-US" dirty="0"/>
+              <a:t>Does social media influence pricing changes?</a:t>
             </a:r>
           </a:p>
           <a:p>

--- a/Cryptocurrency_Presentation.pptx
+++ b/Cryptocurrency_Presentation.pptx
@@ -7,17 +7,18 @@
   <p:sldIdLst>
     <p:sldId id="256" r:id="rId2"/>
     <p:sldId id="257" r:id="rId3"/>
-    <p:sldId id="260" r:id="rId4"/>
-    <p:sldId id="265" r:id="rId5"/>
-    <p:sldId id="266" r:id="rId6"/>
-    <p:sldId id="259" r:id="rId7"/>
-    <p:sldId id="267" r:id="rId8"/>
-    <p:sldId id="268" r:id="rId9"/>
-    <p:sldId id="261" r:id="rId10"/>
-    <p:sldId id="262" r:id="rId11"/>
-    <p:sldId id="263" r:id="rId12"/>
-    <p:sldId id="269" r:id="rId13"/>
-    <p:sldId id="264" r:id="rId14"/>
+    <p:sldId id="270" r:id="rId4"/>
+    <p:sldId id="260" r:id="rId5"/>
+    <p:sldId id="265" r:id="rId6"/>
+    <p:sldId id="266" r:id="rId7"/>
+    <p:sldId id="259" r:id="rId8"/>
+    <p:sldId id="267" r:id="rId9"/>
+    <p:sldId id="268" r:id="rId10"/>
+    <p:sldId id="261" r:id="rId11"/>
+    <p:sldId id="262" r:id="rId12"/>
+    <p:sldId id="263" r:id="rId13"/>
+    <p:sldId id="269" r:id="rId14"/>
+    <p:sldId id="264" r:id="rId15"/>
   </p:sldIdLst>
   <p:sldSz cx="12192000" cy="6858000"/>
   <p:notesSz cx="6858000" cy="9144000"/>
@@ -3428,6 +3429,163 @@
   <p:cSld>
     <p:bg>
       <p:bgPr>
+        <a:gradFill>
+          <a:gsLst>
+            <a:gs pos="0">
+              <a:schemeClr val="accent1">
+                <a:lumMod val="5000"/>
+                <a:lumOff val="95000"/>
+              </a:schemeClr>
+            </a:gs>
+            <a:gs pos="74000">
+              <a:schemeClr val="accent1">
+                <a:lumMod val="45000"/>
+                <a:lumOff val="55000"/>
+              </a:schemeClr>
+            </a:gs>
+            <a:gs pos="83000">
+              <a:schemeClr val="accent1">
+                <a:lumMod val="45000"/>
+                <a:lumOff val="55000"/>
+              </a:schemeClr>
+            </a:gs>
+            <a:gs pos="100000">
+              <a:schemeClr val="accent1">
+                <a:lumMod val="30000"/>
+                <a:lumOff val="70000"/>
+              </a:schemeClr>
+            </a:gs>
+          </a:gsLst>
+          <a:lin ang="5400000" scaled="1"/>
+        </a:gradFill>
+        <a:effectLst/>
+      </p:bgPr>
+    </p:bg>
+    <p:spTree>
+      <p:nvGrpSpPr>
+        <p:cNvPr id="1" name=""/>
+        <p:cNvGrpSpPr/>
+        <p:nvPr/>
+      </p:nvGrpSpPr>
+      <p:grpSpPr>
+        <a:xfrm>
+          <a:off x="0" y="0"/>
+          <a:ext cx="0" cy="0"/>
+          <a:chOff x="0" y="0"/>
+          <a:chExt cx="0" cy="0"/>
+        </a:xfrm>
+      </p:grpSpPr>
+      <p:sp>
+        <p:nvSpPr>
+          <p:cNvPr id="2" name="Title 1">
+            <a:extLst>
+              <a:ext uri="{FF2B5EF4-FFF2-40B4-BE49-F238E27FC236}">
+                <a16:creationId xmlns:a16="http://schemas.microsoft.com/office/drawing/2014/main" id="{CC954B5D-2039-436A-A53E-4B04A8B28DDC}"/>
+              </a:ext>
+            </a:extLst>
+          </p:cNvPr>
+          <p:cNvSpPr>
+            <a:spLocks noGrp="1"/>
+          </p:cNvSpPr>
+          <p:nvPr>
+            <p:ph type="title"/>
+          </p:nvPr>
+        </p:nvSpPr>
+        <p:spPr>
+          <a:xfrm>
+            <a:off x="838200" y="226002"/>
+            <a:ext cx="10515600" cy="1325563"/>
+          </a:xfrm>
+        </p:spPr>
+        <p:txBody>
+          <a:bodyPr/>
+          <a:lstStyle/>
+          <a:p>
+            <a:r>
+              <a:rPr lang="en-US" dirty="0"/>
+              <a:t>What is the most traded Cryptocurrency?</a:t>
+            </a:r>
+          </a:p>
+        </p:txBody>
+      </p:sp>
+      <p:pic>
+        <p:nvPicPr>
+          <p:cNvPr id="7" name="Picture 6">
+            <a:extLst>
+              <a:ext uri="{FF2B5EF4-FFF2-40B4-BE49-F238E27FC236}">
+                <a16:creationId xmlns:a16="http://schemas.microsoft.com/office/drawing/2014/main" id="{E5F556C9-B090-4C05-94C6-248511AD230A}"/>
+              </a:ext>
+            </a:extLst>
+          </p:cNvPr>
+          <p:cNvPicPr>
+            <a:picLocks noChangeAspect="1"/>
+          </p:cNvPicPr>
+          <p:nvPr/>
+        </p:nvPicPr>
+        <p:blipFill>
+          <a:blip r:embed="rId2"/>
+          <a:stretch>
+            <a:fillRect/>
+          </a:stretch>
+        </p:blipFill>
+        <p:spPr>
+          <a:xfrm>
+            <a:off x="2378686" y="1227425"/>
+            <a:ext cx="5934903" cy="3924848"/>
+          </a:xfrm>
+          <a:prstGeom prst="rect">
+            <a:avLst/>
+          </a:prstGeom>
+        </p:spPr>
+      </p:pic>
+      <p:pic>
+        <p:nvPicPr>
+          <p:cNvPr id="9" name="Picture 8">
+            <a:extLst>
+              <a:ext uri="{FF2B5EF4-FFF2-40B4-BE49-F238E27FC236}">
+                <a16:creationId xmlns:a16="http://schemas.microsoft.com/office/drawing/2014/main" id="{C1822C9E-6F6C-4EF0-819F-E5E9B71A7327}"/>
+              </a:ext>
+            </a:extLst>
+          </p:cNvPr>
+          <p:cNvPicPr>
+            <a:picLocks noChangeAspect="1"/>
+          </p:cNvPicPr>
+          <p:nvPr/>
+        </p:nvPicPr>
+        <p:blipFill>
+          <a:blip r:embed="rId3"/>
+          <a:stretch>
+            <a:fillRect/>
+          </a:stretch>
+        </p:blipFill>
+        <p:spPr>
+          <a:xfrm>
+            <a:off x="2472055" y="5152273"/>
+            <a:ext cx="5748164" cy="1479725"/>
+          </a:xfrm>
+          <a:prstGeom prst="rect">
+            <a:avLst/>
+          </a:prstGeom>
+        </p:spPr>
+      </p:pic>
+    </p:spTree>
+    <p:extLst>
+      <p:ext uri="{BB962C8B-B14F-4D97-AF65-F5344CB8AC3E}">
+        <p14:creationId xmlns:p14="http://schemas.microsoft.com/office/powerpoint/2010/main" val="3474242650"/>
+      </p:ext>
+    </p:extLst>
+  </p:cSld>
+  <p:clrMapOvr>
+    <a:masterClrMapping/>
+  </p:clrMapOvr>
+</p:sld>
+</file>
+
+<file path=ppt/slides/slide11.xml><?xml version="1.0" encoding="utf-8"?>
+<p:sld xmlns:a="http://schemas.openxmlformats.org/drawingml/2006/main" xmlns:r="http://schemas.openxmlformats.org/officeDocument/2006/relationships" xmlns:p="http://schemas.openxmlformats.org/presentationml/2006/main">
+  <p:cSld>
+    <p:bg>
+      <p:bgPr>
         <a:solidFill>
           <a:schemeClr val="bg1"/>
         </a:solidFill>
@@ -3730,7 +3888,7 @@
 </p:sld>
 </file>
 
-<file path=ppt/slides/slide11.xml><?xml version="1.0" encoding="utf-8"?>
+<file path=ppt/slides/slide12.xml><?xml version="1.0" encoding="utf-8"?>
 <p:sld xmlns:a="http://schemas.openxmlformats.org/drawingml/2006/main" xmlns:r="http://schemas.openxmlformats.org/officeDocument/2006/relationships" xmlns:p="http://schemas.openxmlformats.org/presentationml/2006/main">
   <p:cSld>
     <p:bg>
@@ -3886,7 +4044,7 @@
 </p:sld>
 </file>
 
-<file path=ppt/slides/slide12.xml><?xml version="1.0" encoding="utf-8"?>
+<file path=ppt/slides/slide13.xml><?xml version="1.0" encoding="utf-8"?>
 <p:sld xmlns:a="http://schemas.openxmlformats.org/drawingml/2006/main" xmlns:r="http://schemas.openxmlformats.org/officeDocument/2006/relationships" xmlns:p="http://schemas.openxmlformats.org/presentationml/2006/main">
   <p:cSld>
     <p:bg>
@@ -3962,7 +4120,7 @@
 </p:sld>
 </file>
 
-<file path=ppt/slides/slide13.xml><?xml version="1.0" encoding="utf-8"?>
+<file path=ppt/slides/slide14.xml><?xml version="1.0" encoding="utf-8"?>
 <p:sld xmlns:a="http://schemas.openxmlformats.org/drawingml/2006/main" xmlns:r="http://schemas.openxmlformats.org/officeDocument/2006/relationships" xmlns:p="http://schemas.openxmlformats.org/presentationml/2006/main">
   <p:cSld>
     <p:bg>
@@ -4226,6 +4384,161 @@
   <p:cSld>
     <p:bg>
       <p:bgPr>
+        <a:gradFill flip="none" rotWithShape="1">
+          <a:gsLst>
+            <a:gs pos="0">
+              <a:schemeClr val="accent4">
+                <a:lumMod val="20000"/>
+                <a:lumOff val="80000"/>
+              </a:schemeClr>
+            </a:gs>
+            <a:gs pos="74000">
+              <a:schemeClr val="accent3">
+                <a:lumMod val="45000"/>
+                <a:lumOff val="55000"/>
+              </a:schemeClr>
+            </a:gs>
+            <a:gs pos="83000">
+              <a:schemeClr val="accent3">
+                <a:lumMod val="45000"/>
+                <a:lumOff val="55000"/>
+              </a:schemeClr>
+            </a:gs>
+            <a:gs pos="100000">
+              <a:schemeClr val="accent3">
+                <a:lumMod val="30000"/>
+                <a:lumOff val="70000"/>
+              </a:schemeClr>
+            </a:gs>
+          </a:gsLst>
+          <a:lin ang="5400000" scaled="1"/>
+          <a:tileRect/>
+        </a:gradFill>
+        <a:effectLst/>
+      </p:bgPr>
+    </p:bg>
+    <p:spTree>
+      <p:nvGrpSpPr>
+        <p:cNvPr id="1" name=""/>
+        <p:cNvGrpSpPr/>
+        <p:nvPr/>
+      </p:nvGrpSpPr>
+      <p:grpSpPr>
+        <a:xfrm>
+          <a:off x="0" y="0"/>
+          <a:ext cx="0" cy="0"/>
+          <a:chOff x="0" y="0"/>
+          <a:chExt cx="0" cy="0"/>
+        </a:xfrm>
+      </p:grpSpPr>
+      <p:sp>
+        <p:nvSpPr>
+          <p:cNvPr id="2" name="Title 1">
+            <a:extLst>
+              <a:ext uri="{FF2B5EF4-FFF2-40B4-BE49-F238E27FC236}">
+                <a16:creationId xmlns:a16="http://schemas.microsoft.com/office/drawing/2014/main" id="{92984D68-F1E1-45FC-B87D-2008A30B71CA}"/>
+              </a:ext>
+            </a:extLst>
+          </p:cNvPr>
+          <p:cNvSpPr>
+            <a:spLocks noGrp="1"/>
+          </p:cNvSpPr>
+          <p:nvPr>
+            <p:ph type="title"/>
+          </p:nvPr>
+        </p:nvSpPr>
+        <p:spPr/>
+        <p:txBody>
+          <a:bodyPr/>
+          <a:lstStyle/>
+          <a:p>
+            <a:r>
+              <a:rPr lang="en-US" dirty="0"/>
+              <a:t>APIs / CSV Data Used</a:t>
+            </a:r>
+          </a:p>
+        </p:txBody>
+      </p:sp>
+      <p:sp>
+        <p:nvSpPr>
+          <p:cNvPr id="3" name="Content Placeholder 2">
+            <a:extLst>
+              <a:ext uri="{FF2B5EF4-FFF2-40B4-BE49-F238E27FC236}">
+                <a16:creationId xmlns:a16="http://schemas.microsoft.com/office/drawing/2014/main" id="{E3A531AF-599D-4C53-9D22-F5C00164741E}"/>
+              </a:ext>
+            </a:extLst>
+          </p:cNvPr>
+          <p:cNvSpPr>
+            <a:spLocks noGrp="1"/>
+          </p:cNvSpPr>
+          <p:nvPr>
+            <p:ph idx="1"/>
+          </p:nvPr>
+        </p:nvSpPr>
+        <p:spPr/>
+        <p:txBody>
+          <a:bodyPr/>
+          <a:lstStyle/>
+          <a:p>
+            <a:r>
+              <a:rPr lang="en-US" dirty="0"/>
+              <a:t>Yahoo Finance</a:t>
+            </a:r>
+          </a:p>
+          <a:p>
+            <a:pPr lvl="1"/>
+            <a:r>
+              <a:rPr lang="en-US" dirty="0"/>
+              <a:t>CSV files with 5-year historical financial data, stock volume, and USD trends</a:t>
+            </a:r>
+          </a:p>
+          <a:p>
+            <a:r>
+              <a:rPr lang="en-US" dirty="0" err="1"/>
+              <a:t>LunarCrush</a:t>
+            </a:r>
+            <a:endParaRPr lang="en-US" dirty="0"/>
+          </a:p>
+          <a:p>
+            <a:pPr lvl="1"/>
+            <a:r>
+              <a:rPr lang="en-US" dirty="0"/>
+              <a:t>API with short term data and social data</a:t>
+            </a:r>
+          </a:p>
+          <a:p>
+            <a:r>
+              <a:rPr lang="en-US" dirty="0"/>
+              <a:t>Nomics </a:t>
+            </a:r>
+          </a:p>
+          <a:p>
+            <a:pPr lvl="1"/>
+            <a:r>
+              <a:rPr lang="en-US" dirty="0"/>
+              <a:t>Year to Date data </a:t>
+            </a:r>
+          </a:p>
+        </p:txBody>
+      </p:sp>
+    </p:spTree>
+    <p:extLst>
+      <p:ext uri="{BB962C8B-B14F-4D97-AF65-F5344CB8AC3E}">
+        <p14:creationId xmlns:p14="http://schemas.microsoft.com/office/powerpoint/2010/main" val="3023608967"/>
+      </p:ext>
+    </p:extLst>
+  </p:cSld>
+  <p:clrMapOvr>
+    <a:masterClrMapping/>
+  </p:clrMapOvr>
+</p:sld>
+</file>
+
+<file path=ppt/slides/slide4.xml><?xml version="1.0" encoding="utf-8"?>
+<p:sld xmlns:a="http://schemas.openxmlformats.org/drawingml/2006/main" xmlns:r="http://schemas.openxmlformats.org/officeDocument/2006/relationships" xmlns:p="http://schemas.openxmlformats.org/presentationml/2006/main">
+  <p:cSld>
+    <p:bg>
+      <p:bgPr>
         <a:pattFill prst="dkUpDiag">
           <a:fgClr>
             <a:schemeClr val="accent6">
@@ -4386,7 +4699,7 @@
 </p:sld>
 </file>
 
-<file path=ppt/slides/slide4.xml><?xml version="1.0" encoding="utf-8"?>
+<file path=ppt/slides/slide5.xml><?xml version="1.0" encoding="utf-8"?>
 <p:sld xmlns:a="http://schemas.openxmlformats.org/drawingml/2006/main" xmlns:r="http://schemas.openxmlformats.org/officeDocument/2006/relationships" xmlns:p="http://schemas.openxmlformats.org/presentationml/2006/main">
   <p:cSld>
     <p:bg>
@@ -4488,7 +4801,7 @@
 </p:sld>
 </file>
 
-<file path=ppt/slides/slide5.xml><?xml version="1.0" encoding="utf-8"?>
+<file path=ppt/slides/slide6.xml><?xml version="1.0" encoding="utf-8"?>
 <p:sld xmlns:a="http://schemas.openxmlformats.org/drawingml/2006/main" xmlns:r="http://schemas.openxmlformats.org/officeDocument/2006/relationships" xmlns:p="http://schemas.openxmlformats.org/presentationml/2006/main">
   <p:cSld>
     <p:bg>
@@ -4592,7 +4905,7 @@
 </p:sld>
 </file>
 
-<file path=ppt/slides/slide6.xml><?xml version="1.0" encoding="utf-8"?>
+<file path=ppt/slides/slide7.xml><?xml version="1.0" encoding="utf-8"?>
 <p:sld xmlns:a="http://schemas.openxmlformats.org/drawingml/2006/main" xmlns:r="http://schemas.openxmlformats.org/officeDocument/2006/relationships" xmlns:p="http://schemas.openxmlformats.org/presentationml/2006/main">
   <p:cSld>
     <p:bg>
@@ -5035,7 +5348,7 @@
 </p:sld>
 </file>
 
-<file path=ppt/slides/slide7.xml><?xml version="1.0" encoding="utf-8"?>
+<file path=ppt/slides/slide8.xml><?xml version="1.0" encoding="utf-8"?>
 <p:sld xmlns:a="http://schemas.openxmlformats.org/drawingml/2006/main" xmlns:r="http://schemas.openxmlformats.org/officeDocument/2006/relationships" xmlns:p="http://schemas.openxmlformats.org/presentationml/2006/main">
   <p:cSld>
     <p:bg>
@@ -5344,7 +5657,7 @@
 </p:sld>
 </file>
 
-<file path=ppt/slides/slide8.xml><?xml version="1.0" encoding="utf-8"?>
+<file path=ppt/slides/slide9.xml><?xml version="1.0" encoding="utf-8"?>
 <p:sld xmlns:a="http://schemas.openxmlformats.org/drawingml/2006/main" xmlns:r="http://schemas.openxmlformats.org/officeDocument/2006/relationships" xmlns:p="http://schemas.openxmlformats.org/presentationml/2006/main">
   <p:cSld>
     <p:bg>
@@ -5508,163 +5821,6 @@
     <p:extLst>
       <p:ext uri="{BB962C8B-B14F-4D97-AF65-F5344CB8AC3E}">
         <p14:creationId xmlns:p14="http://schemas.microsoft.com/office/powerpoint/2010/main" val="1390949024"/>
-      </p:ext>
-    </p:extLst>
-  </p:cSld>
-  <p:clrMapOvr>
-    <a:masterClrMapping/>
-  </p:clrMapOvr>
-</p:sld>
-</file>
-
-<file path=ppt/slides/slide9.xml><?xml version="1.0" encoding="utf-8"?>
-<p:sld xmlns:a="http://schemas.openxmlformats.org/drawingml/2006/main" xmlns:r="http://schemas.openxmlformats.org/officeDocument/2006/relationships" xmlns:p="http://schemas.openxmlformats.org/presentationml/2006/main">
-  <p:cSld>
-    <p:bg>
-      <p:bgPr>
-        <a:gradFill>
-          <a:gsLst>
-            <a:gs pos="0">
-              <a:schemeClr val="accent1">
-                <a:lumMod val="5000"/>
-                <a:lumOff val="95000"/>
-              </a:schemeClr>
-            </a:gs>
-            <a:gs pos="74000">
-              <a:schemeClr val="accent1">
-                <a:lumMod val="45000"/>
-                <a:lumOff val="55000"/>
-              </a:schemeClr>
-            </a:gs>
-            <a:gs pos="83000">
-              <a:schemeClr val="accent1">
-                <a:lumMod val="45000"/>
-                <a:lumOff val="55000"/>
-              </a:schemeClr>
-            </a:gs>
-            <a:gs pos="100000">
-              <a:schemeClr val="accent1">
-                <a:lumMod val="30000"/>
-                <a:lumOff val="70000"/>
-              </a:schemeClr>
-            </a:gs>
-          </a:gsLst>
-          <a:lin ang="5400000" scaled="1"/>
-        </a:gradFill>
-        <a:effectLst/>
-      </p:bgPr>
-    </p:bg>
-    <p:spTree>
-      <p:nvGrpSpPr>
-        <p:cNvPr id="1" name=""/>
-        <p:cNvGrpSpPr/>
-        <p:nvPr/>
-      </p:nvGrpSpPr>
-      <p:grpSpPr>
-        <a:xfrm>
-          <a:off x="0" y="0"/>
-          <a:ext cx="0" cy="0"/>
-          <a:chOff x="0" y="0"/>
-          <a:chExt cx="0" cy="0"/>
-        </a:xfrm>
-      </p:grpSpPr>
-      <p:sp>
-        <p:nvSpPr>
-          <p:cNvPr id="2" name="Title 1">
-            <a:extLst>
-              <a:ext uri="{FF2B5EF4-FFF2-40B4-BE49-F238E27FC236}">
-                <a16:creationId xmlns:a16="http://schemas.microsoft.com/office/drawing/2014/main" id="{CC954B5D-2039-436A-A53E-4B04A8B28DDC}"/>
-              </a:ext>
-            </a:extLst>
-          </p:cNvPr>
-          <p:cNvSpPr>
-            <a:spLocks noGrp="1"/>
-          </p:cNvSpPr>
-          <p:nvPr>
-            <p:ph type="title"/>
-          </p:nvPr>
-        </p:nvSpPr>
-        <p:spPr>
-          <a:xfrm>
-            <a:off x="838200" y="226002"/>
-            <a:ext cx="10515600" cy="1325563"/>
-          </a:xfrm>
-        </p:spPr>
-        <p:txBody>
-          <a:bodyPr/>
-          <a:lstStyle/>
-          <a:p>
-            <a:r>
-              <a:rPr lang="en-US" dirty="0"/>
-              <a:t>What is the most traded Cryptocurrency?</a:t>
-            </a:r>
-          </a:p>
-        </p:txBody>
-      </p:sp>
-      <p:pic>
-        <p:nvPicPr>
-          <p:cNvPr id="7" name="Picture 6">
-            <a:extLst>
-              <a:ext uri="{FF2B5EF4-FFF2-40B4-BE49-F238E27FC236}">
-                <a16:creationId xmlns:a16="http://schemas.microsoft.com/office/drawing/2014/main" id="{E5F556C9-B090-4C05-94C6-248511AD230A}"/>
-              </a:ext>
-            </a:extLst>
-          </p:cNvPr>
-          <p:cNvPicPr>
-            <a:picLocks noChangeAspect="1"/>
-          </p:cNvPicPr>
-          <p:nvPr/>
-        </p:nvPicPr>
-        <p:blipFill>
-          <a:blip r:embed="rId2"/>
-          <a:stretch>
-            <a:fillRect/>
-          </a:stretch>
-        </p:blipFill>
-        <p:spPr>
-          <a:xfrm>
-            <a:off x="2378686" y="1227425"/>
-            <a:ext cx="5934903" cy="3924848"/>
-          </a:xfrm>
-          <a:prstGeom prst="rect">
-            <a:avLst/>
-          </a:prstGeom>
-        </p:spPr>
-      </p:pic>
-      <p:pic>
-        <p:nvPicPr>
-          <p:cNvPr id="9" name="Picture 8">
-            <a:extLst>
-              <a:ext uri="{FF2B5EF4-FFF2-40B4-BE49-F238E27FC236}">
-                <a16:creationId xmlns:a16="http://schemas.microsoft.com/office/drawing/2014/main" id="{C1822C9E-6F6C-4EF0-819F-E5E9B71A7327}"/>
-              </a:ext>
-            </a:extLst>
-          </p:cNvPr>
-          <p:cNvPicPr>
-            <a:picLocks noChangeAspect="1"/>
-          </p:cNvPicPr>
-          <p:nvPr/>
-        </p:nvPicPr>
-        <p:blipFill>
-          <a:blip r:embed="rId3"/>
-          <a:stretch>
-            <a:fillRect/>
-          </a:stretch>
-        </p:blipFill>
-        <p:spPr>
-          <a:xfrm>
-            <a:off x="2472055" y="5152273"/>
-            <a:ext cx="5748164" cy="1479725"/>
-          </a:xfrm>
-          <a:prstGeom prst="rect">
-            <a:avLst/>
-          </a:prstGeom>
-        </p:spPr>
-      </p:pic>
-    </p:spTree>
-    <p:extLst>
-      <p:ext uri="{BB962C8B-B14F-4D97-AF65-F5344CB8AC3E}">
-        <p14:creationId xmlns:p14="http://schemas.microsoft.com/office/powerpoint/2010/main" val="3474242650"/>
       </p:ext>
     </p:extLst>
   </p:cSld>
